--- a/IOPS - trees & ensembles.pptx
+++ b/IOPS - trees & ensembles.pptx
@@ -228,7 +228,7 @@
             <a:fld id="{34EDB0BA-B8E9-454B-B6E9-4635A1D316CC}" type="datetimeFigureOut">
               <a:rPr lang="nl-NL" smtClean="0"/>
               <a:pPr/>
-              <a:t>23-1-2018</a:t>
+              <a:t>25-1-2018</a:t>
             </a:fld>
             <a:endParaRPr lang="nl-NL"/>
           </a:p>
@@ -927,7 +927,7 @@
             <a:fld id="{0C81E652-3735-4870-B5EF-F938612E393B}" type="datetimeFigureOut">
               <a:rPr lang="nl-NL" smtClean="0"/>
               <a:pPr/>
-              <a:t>23-1-2018</a:t>
+              <a:t>25-1-2018</a:t>
             </a:fld>
             <a:endParaRPr lang="nl-NL"/>
           </a:p>
@@ -1094,7 +1094,7 @@
             <a:fld id="{0C81E652-3735-4870-B5EF-F938612E393B}" type="datetimeFigureOut">
               <a:rPr lang="nl-NL" smtClean="0"/>
               <a:pPr/>
-              <a:t>23-1-2018</a:t>
+              <a:t>25-1-2018</a:t>
             </a:fld>
             <a:endParaRPr lang="nl-NL"/>
           </a:p>
@@ -1271,7 +1271,7 @@
             <a:fld id="{0C81E652-3735-4870-B5EF-F938612E393B}" type="datetimeFigureOut">
               <a:rPr lang="nl-NL" smtClean="0"/>
               <a:pPr/>
-              <a:t>23-1-2018</a:t>
+              <a:t>25-1-2018</a:t>
             </a:fld>
             <a:endParaRPr lang="nl-NL"/>
           </a:p>
@@ -1438,7 +1438,7 @@
             <a:fld id="{0C81E652-3735-4870-B5EF-F938612E393B}" type="datetimeFigureOut">
               <a:rPr lang="nl-NL" smtClean="0"/>
               <a:pPr/>
-              <a:t>23-1-2018</a:t>
+              <a:t>25-1-2018</a:t>
             </a:fld>
             <a:endParaRPr lang="nl-NL"/>
           </a:p>
@@ -1681,7 +1681,7 @@
             <a:fld id="{0C81E652-3735-4870-B5EF-F938612E393B}" type="datetimeFigureOut">
               <a:rPr lang="nl-NL" smtClean="0"/>
               <a:pPr/>
-              <a:t>23-1-2018</a:t>
+              <a:t>25-1-2018</a:t>
             </a:fld>
             <a:endParaRPr lang="nl-NL"/>
           </a:p>
@@ -1966,7 +1966,7 @@
             <a:fld id="{0C81E652-3735-4870-B5EF-F938612E393B}" type="datetimeFigureOut">
               <a:rPr lang="nl-NL" smtClean="0"/>
               <a:pPr/>
-              <a:t>23-1-2018</a:t>
+              <a:t>25-1-2018</a:t>
             </a:fld>
             <a:endParaRPr lang="nl-NL"/>
           </a:p>
@@ -2385,7 +2385,7 @@
             <a:fld id="{0C81E652-3735-4870-B5EF-F938612E393B}" type="datetimeFigureOut">
               <a:rPr lang="nl-NL" smtClean="0"/>
               <a:pPr/>
-              <a:t>23-1-2018</a:t>
+              <a:t>25-1-2018</a:t>
             </a:fld>
             <a:endParaRPr lang="nl-NL"/>
           </a:p>
@@ -2500,7 +2500,7 @@
             <a:fld id="{0C81E652-3735-4870-B5EF-F938612E393B}" type="datetimeFigureOut">
               <a:rPr lang="nl-NL" smtClean="0"/>
               <a:pPr/>
-              <a:t>23-1-2018</a:t>
+              <a:t>25-1-2018</a:t>
             </a:fld>
             <a:endParaRPr lang="nl-NL"/>
           </a:p>
@@ -2592,7 +2592,7 @@
             <a:fld id="{0C81E652-3735-4870-B5EF-F938612E393B}" type="datetimeFigureOut">
               <a:rPr lang="nl-NL" smtClean="0"/>
               <a:pPr/>
-              <a:t>23-1-2018</a:t>
+              <a:t>25-1-2018</a:t>
             </a:fld>
             <a:endParaRPr lang="nl-NL"/>
           </a:p>
@@ -2866,7 +2866,7 @@
             <a:fld id="{0C81E652-3735-4870-B5EF-F938612E393B}" type="datetimeFigureOut">
               <a:rPr lang="nl-NL" smtClean="0"/>
               <a:pPr/>
-              <a:t>23-1-2018</a:t>
+              <a:t>25-1-2018</a:t>
             </a:fld>
             <a:endParaRPr lang="nl-NL"/>
           </a:p>
@@ -3116,7 +3116,7 @@
             <a:fld id="{0C81E652-3735-4870-B5EF-F938612E393B}" type="datetimeFigureOut">
               <a:rPr lang="nl-NL" smtClean="0"/>
               <a:pPr/>
-              <a:t>23-1-2018</a:t>
+              <a:t>25-1-2018</a:t>
             </a:fld>
             <a:endParaRPr lang="nl-NL"/>
           </a:p>
@@ -3326,7 +3326,7 @@
             <a:fld id="{0C81E652-3735-4870-B5EF-F938612E393B}" type="datetimeFigureOut">
               <a:rPr lang="nl-NL" smtClean="0"/>
               <a:pPr/>
-              <a:t>23-1-2018</a:t>
+              <a:t>25-1-2018</a:t>
             </a:fld>
             <a:endParaRPr lang="nl-NL"/>
           </a:p>
@@ -3756,14 +3756,80 @@
               <a:t>Tree and </a:t>
             </a:r>
             <a:r>
-              <a:rPr lang="en-US" dirty="0" err="1" smtClean="0"/>
-              <a:t>ensembe</a:t>
-            </a:r>
-            <a:r>
               <a:rPr lang="en-US" dirty="0" smtClean="0"/>
-              <a:t> methods</a:t>
+              <a:t>ensemble </a:t>
+            </a:r>
+            <a:r>
+              <a:rPr lang="en-US" dirty="0" smtClean="0"/>
+              <a:t>methods</a:t>
             </a:r>
             <a:endParaRPr lang="nl-NL" dirty="0"/>
+          </a:p>
+        </p:txBody>
+      </p:sp>
+      <p:sp>
+        <p:nvSpPr>
+          <p:cNvPr id="4" name="Rectangle 3"/>
+          <p:cNvSpPr/>
+          <p:nvPr/>
+        </p:nvSpPr>
+        <p:spPr>
+          <a:xfrm>
+            <a:off x="1403648" y="4941168"/>
+            <a:ext cx="6696744" cy="387965"/>
+          </a:xfrm>
+          <a:prstGeom prst="rect">
+            <a:avLst/>
+          </a:prstGeom>
+        </p:spPr>
+        <p:style>
+          <a:lnRef idx="2">
+            <a:schemeClr val="accent6">
+              <a:shade val="50000"/>
+            </a:schemeClr>
+          </a:lnRef>
+          <a:fillRef idx="1">
+            <a:schemeClr val="accent6"/>
+          </a:fillRef>
+          <a:effectRef idx="0">
+            <a:schemeClr val="accent6"/>
+          </a:effectRef>
+          <a:fontRef idx="minor">
+            <a:schemeClr val="lt1"/>
+          </a:fontRef>
+        </p:style>
+        <p:txBody>
+          <a:bodyPr rtlCol="0" anchor="t" anchorCtr="0"/>
+          <a:lstStyle/>
+          <a:p>
+            <a:pPr algn="ctr"/>
+            <a:r>
+              <a:rPr lang="en-US" sz="2000" dirty="0"/>
+              <a:t>Get course files from </a:t>
+            </a:r>
+            <a:r>
+              <a:rPr lang="en-US" sz="2000" dirty="0" smtClean="0">
+                <a:hlinkClick r:id="rId2"/>
+              </a:rPr>
+              <a:t>https</a:t>
+            </a:r>
+            <a:r>
+              <a:rPr lang="en-US" sz="2000" dirty="0">
+                <a:hlinkClick r:id="rId2"/>
+              </a:rPr>
+              <a:t>://</a:t>
+            </a:r>
+            <a:r>
+              <a:rPr lang="en-US" sz="2000" dirty="0" smtClean="0">
+                <a:hlinkClick r:id="rId2"/>
+              </a:rPr>
+              <a:t>github.com/marjoleinF/IOPS-SLP</a:t>
+            </a:r>
+            <a:endParaRPr lang="en-US" sz="2000" dirty="0" smtClean="0"/>
+          </a:p>
+          <a:p>
+            <a:pPr algn="ctr"/>
+            <a:endParaRPr lang="nl-NL" sz="2000" dirty="0"/>
           </a:p>
         </p:txBody>
       </p:sp>
@@ -3816,11 +3882,7 @@
           <a:p>
             <a:r>
               <a:rPr lang="en-US" dirty="0" smtClean="0"/>
-              <a:t>The </a:t>
-            </a:r>
-            <a:r>
-              <a:rPr lang="en-US" dirty="0" smtClean="0"/>
-              <a:t>ugly - I: Instability </a:t>
+              <a:t>The ugly - I: Instability </a:t>
             </a:r>
             <a:endParaRPr lang="nl-NL" dirty="0"/>
           </a:p>
@@ -3869,21 +3931,8 @@
             </a:pPr>
             <a:r>
               <a:rPr lang="en-US" dirty="0" smtClean="0"/>
-              <a:t>A split may come out different due to minor sampling variations. All further splits are conditional on that split. </a:t>
-            </a:r>
-            <a:r>
-              <a:rPr lang="en-US" dirty="0" smtClean="0"/>
-              <a:t>-&gt; Minor </a:t>
-            </a:r>
-            <a:r>
-              <a:rPr lang="en-US" dirty="0" smtClean="0"/>
-              <a:t>sampling variations may greatly affect the tree </a:t>
-            </a:r>
-            <a:r>
-              <a:rPr lang="en-US" dirty="0" smtClean="0"/>
-              <a:t>structure.</a:t>
-            </a:r>
-            <a:endParaRPr lang="en-US" dirty="0" smtClean="0"/>
+              <a:t>A split may come out different due to minor sampling variations. All further splits are conditional on that split. -&gt; Minor sampling variations may greatly affect the tree structure.</a:t>
+            </a:r>
           </a:p>
           <a:p>
             <a:pPr marL="857250" lvl="1" indent="-457200">
@@ -3892,11 +3941,7 @@
             </a:pPr>
             <a:r>
               <a:rPr lang="en-US" dirty="0" smtClean="0"/>
-              <a:t>Looks very </a:t>
-            </a:r>
-            <a:r>
-              <a:rPr lang="en-US" dirty="0" smtClean="0"/>
-              <a:t>ugly if you look at the tree structure (e.g., add </a:t>
+              <a:t>Looks very ugly if you look at the tree structure (e.g., add </a:t>
             </a:r>
             <a:r>
               <a:rPr lang="en-US" dirty="0"/>
@@ -3904,13 +3949,8 @@
             </a:r>
             <a:r>
               <a:rPr lang="en-US" dirty="0" smtClean="0"/>
-              <a:t>r remove only a few observations to the data and the whole tree may be different</a:t>
-            </a:r>
-            <a:r>
-              <a:rPr lang="en-US" dirty="0" smtClean="0"/>
-              <a:t>).</a:t>
-            </a:r>
-            <a:endParaRPr lang="en-US" dirty="0" smtClean="0"/>
+              <a:t>r remove only a few observations to the data and the whole tree may be different).</a:t>
+            </a:r>
           </a:p>
           <a:p>
             <a:pPr marL="857250" lvl="1" indent="-457200">
@@ -4508,11 +4548,7 @@
             </a:r>
             <a:r>
               <a:rPr lang="en-US" dirty="0" smtClean="0"/>
-              <a:t>: </a:t>
-            </a:r>
-            <a:r>
-              <a:rPr lang="en-US" dirty="0" smtClean="0"/>
-              <a:t>Pruning</a:t>
+              <a:t>: Pruning</a:t>
             </a:r>
           </a:p>
           <a:p>
@@ -4525,11 +4561,7 @@
             </a:r>
             <a:r>
               <a:rPr lang="en-US" dirty="0" smtClean="0"/>
-              <a:t>tree </a:t>
-            </a:r>
-            <a:r>
-              <a:rPr lang="en-US" dirty="0" smtClean="0"/>
-              <a:t>should not be too small, nor too large</a:t>
+              <a:t>tree should not be too small, nor too large</a:t>
             </a:r>
             <a:endParaRPr lang="nl-NL" dirty="0" smtClean="0"/>
           </a:p>
@@ -4547,7 +4579,6 @@
               <a:rPr lang="nl-NL" dirty="0" smtClean="0"/>
               <a:t>How?</a:t>
             </a:r>
-            <a:endParaRPr lang="nl-NL" dirty="0" smtClean="0"/>
           </a:p>
           <a:p>
             <a:pPr marL="914400" lvl="1" indent="-514350">
@@ -4560,11 +4591,7 @@
             </a:r>
             <a:r>
               <a:rPr lang="nl-NL" dirty="0" smtClean="0"/>
-              <a:t> </a:t>
-            </a:r>
-            <a:r>
-              <a:rPr lang="nl-NL" dirty="0" smtClean="0"/>
-              <a:t>full tree </a:t>
+              <a:t> full tree </a:t>
             </a:r>
             <a:r>
               <a:rPr lang="nl-NL" dirty="0" err="1" smtClean="0"/>
@@ -4691,13 +4718,7 @@
               <a:rPr lang="nl-NL" dirty="0" smtClean="0">
                 <a:latin typeface="+mj-lt"/>
               </a:rPr>
-              <a:t>:</a:t>
-            </a:r>
-            <a:r>
-              <a:rPr lang="nl-NL" dirty="0" smtClean="0">
-                <a:latin typeface="+mj-lt"/>
-              </a:rPr>
-              <a:t>				</a:t>
+              <a:t>:				</a:t>
             </a:r>
           </a:p>
           <a:p>
@@ -4872,7 +4893,7 @@
           <a:graphicData uri="http://schemas.openxmlformats.org/presentationml/2006/ole">
             <mc:AlternateContent xmlns:mc="http://schemas.openxmlformats.org/markup-compatibility/2006">
               <mc:Choice xmlns:v="urn:schemas-microsoft-com:vml" Requires="v">
-                <p:oleObj spid="_x0000_s11276" name="Vergelijking" r:id="rId4" imgW="1587240" imgH="457200" progId="Equation.3">
+                <p:oleObj spid="_x0000_s11280" name="Vergelijking" r:id="rId4" imgW="1587240" imgH="457200" progId="Equation.3">
                   <p:embed/>
                 </p:oleObj>
               </mc:Choice>
@@ -5266,7 +5287,15 @@
             </a:pPr>
             <a:r>
               <a:rPr lang="en-US" dirty="0" smtClean="0"/>
-              <a:t>-&gt; unbiased variable selection: variables with equal predictive ‘power’ have equal probability of being selected</a:t>
+              <a:t>-&gt; unbiased variable selection: variables with equal predictive </a:t>
+            </a:r>
+            <a:r>
+              <a:rPr lang="en-US" dirty="0" smtClean="0"/>
+              <a:t>power </a:t>
+            </a:r>
+            <a:r>
+              <a:rPr lang="en-US" dirty="0" smtClean="0"/>
+              <a:t>have equal probability of being selected</a:t>
             </a:r>
             <a:endParaRPr lang="nl-NL" dirty="0"/>
           </a:p>
@@ -5563,11 +5592,7 @@
             </a:pPr>
             <a:r>
               <a:rPr lang="en-US" dirty="0" smtClean="0"/>
-              <a:t>Conditional inference trees: Select splitting variable based on statistical </a:t>
-            </a:r>
-            <a:r>
-              <a:rPr lang="en-US" dirty="0" smtClean="0"/>
-              <a:t>tests</a:t>
+              <a:t>Conditional inference trees: Select splitting variable based on statistical tests</a:t>
             </a:r>
           </a:p>
           <a:p>
@@ -5700,11 +5725,7 @@
             </a:r>
             <a:r>
               <a:rPr lang="en-US" dirty="0" smtClean="0"/>
-              <a:t> for balancing bias and variance: </a:t>
-            </a:r>
-            <a:r>
-              <a:rPr lang="en-US" dirty="0" smtClean="0"/>
-              <a:t>Yields natural stopping criterion: Significance level</a:t>
+              <a:t> for balancing bias and variance: Yields natural stopping criterion: Significance level</a:t>
             </a:r>
             <a:endParaRPr lang="nl-NL" dirty="0" smtClean="0"/>
           </a:p>
@@ -6028,7 +6049,7 @@
         <p:spPr/>
         <p:txBody>
           <a:bodyPr>
-            <a:normAutofit fontScale="77500" lnSpcReduction="20000"/>
+            <a:normAutofit fontScale="70000" lnSpcReduction="20000"/>
           </a:bodyPr>
           <a:lstStyle/>
           <a:p>
@@ -6036,20 +6057,12 @@
               <a:buNone/>
             </a:pPr>
             <a:r>
-              <a:rPr lang="nl-NL" dirty="0" err="1" smtClean="0"/>
-              <a:t>Use</a:t>
-            </a:r>
-            <a:r>
-              <a:rPr lang="nl-NL" dirty="0" smtClean="0"/>
-              <a:t> </a:t>
-            </a:r>
-            <a:r>
-              <a:rPr lang="nl-NL" dirty="0" err="1" smtClean="0"/>
-              <a:t>statistical</a:t>
-            </a:r>
-            <a:r>
-              <a:rPr lang="nl-NL" dirty="0" smtClean="0"/>
-              <a:t> </a:t>
+              <a:rPr lang="nl-NL" dirty="0"/>
+              <a:t>S</a:t>
+            </a:r>
+            <a:r>
+              <a:rPr lang="nl-NL" dirty="0" smtClean="0"/>
+              <a:t>tatistical </a:t>
             </a:r>
             <a:r>
               <a:rPr lang="nl-NL" dirty="0" err="1" smtClean="0"/>
@@ -6232,118 +6245,6 @@
             <a:pPr lvl="1">
               <a:buNone/>
             </a:pPr>
-            <a:r>
-              <a:rPr lang="nl-NL" dirty="0" smtClean="0"/>
-              <a:t>Using </a:t>
-            </a:r>
-            <a:r>
-              <a:rPr lang="nl-NL" dirty="0" err="1" smtClean="0"/>
-              <a:t>the</a:t>
-            </a:r>
-            <a:r>
-              <a:rPr lang="nl-NL" dirty="0" smtClean="0"/>
-              <a:t> </a:t>
-            </a:r>
-            <a:r>
-              <a:rPr lang="nl-NL" dirty="0" err="1" smtClean="0"/>
-              <a:t>observed</a:t>
-            </a:r>
-            <a:r>
-              <a:rPr lang="nl-NL" dirty="0" smtClean="0"/>
-              <a:t> data in </a:t>
-            </a:r>
-            <a:r>
-              <a:rPr lang="nl-NL" dirty="0" err="1" smtClean="0"/>
-              <a:t>current</a:t>
-            </a:r>
-            <a:r>
-              <a:rPr lang="nl-NL" dirty="0" smtClean="0"/>
-              <a:t> node, a </a:t>
-            </a:r>
-            <a:r>
-              <a:rPr lang="nl-NL" i="1" dirty="0" smtClean="0"/>
-              <a:t>p</a:t>
-            </a:r>
-            <a:r>
-              <a:rPr lang="nl-NL" dirty="0"/>
-              <a:t> </a:t>
-            </a:r>
-            <a:r>
-              <a:rPr lang="nl-NL" dirty="0" err="1" smtClean="0"/>
-              <a:t>value</a:t>
-            </a:r>
-            <a:r>
-              <a:rPr lang="nl-NL" dirty="0" smtClean="0"/>
-              <a:t> </a:t>
-            </a:r>
-            <a:r>
-              <a:rPr lang="nl-NL" dirty="0" err="1" smtClean="0"/>
-              <a:t>under</a:t>
-            </a:r>
-            <a:r>
-              <a:rPr lang="nl-NL" dirty="0" smtClean="0"/>
-              <a:t> H0 </a:t>
-            </a:r>
-            <a:r>
-              <a:rPr lang="nl-NL" dirty="0" err="1" smtClean="0"/>
-              <a:t>can</a:t>
-            </a:r>
-            <a:r>
-              <a:rPr lang="nl-NL" dirty="0" smtClean="0"/>
-              <a:t> </a:t>
-            </a:r>
-            <a:r>
-              <a:rPr lang="nl-NL" dirty="0" err="1" smtClean="0"/>
-              <a:t>be</a:t>
-            </a:r>
-            <a:r>
-              <a:rPr lang="nl-NL" dirty="0" smtClean="0"/>
-              <a:t> </a:t>
-            </a:r>
-            <a:r>
-              <a:rPr lang="nl-NL" dirty="0" err="1" smtClean="0"/>
-              <a:t>calculated</a:t>
-            </a:r>
-            <a:r>
-              <a:rPr lang="nl-NL" dirty="0" smtClean="0"/>
-              <a:t> </a:t>
-            </a:r>
-            <a:r>
-              <a:rPr lang="nl-NL" dirty="0" err="1" smtClean="0"/>
-              <a:t>for</a:t>
-            </a:r>
-            <a:r>
-              <a:rPr lang="nl-NL" dirty="0" smtClean="0"/>
-              <a:t> </a:t>
-            </a:r>
-            <a:r>
-              <a:rPr lang="nl-NL" dirty="0" err="1" smtClean="0"/>
-              <a:t>each</a:t>
-            </a:r>
-            <a:r>
-              <a:rPr lang="nl-NL" dirty="0"/>
-              <a:t> </a:t>
-            </a:r>
-            <a:r>
-              <a:rPr lang="nl-NL" dirty="0" err="1"/>
-              <a:t>variable</a:t>
-            </a:r>
-            <a:r>
-              <a:rPr lang="nl-NL" dirty="0"/>
-              <a:t> </a:t>
-            </a:r>
-            <a:r>
-              <a:rPr lang="nl-NL" i="1" dirty="0" err="1"/>
-              <a:t>X</a:t>
-            </a:r>
-            <a:r>
-              <a:rPr lang="nl-NL" i="1" baseline="-25000" dirty="0" err="1"/>
-              <a:t>j</a:t>
-            </a:r>
-            <a:r>
-              <a:rPr lang="nl-NL" dirty="0"/>
-              <a:t> </a:t>
-            </a:r>
             <a:endParaRPr lang="nl-NL" dirty="0" smtClean="0"/>
           </a:p>
           <a:p>
@@ -6351,51 +6252,59 @@
               <a:buNone/>
             </a:pPr>
             <a:r>
+              <a:rPr lang="nl-NL" dirty="0" err="1" smtClean="0"/>
+              <a:t>Thus</a:t>
+            </a:r>
+            <a:r>
+              <a:rPr lang="nl-NL" dirty="0" smtClean="0"/>
+              <a:t>, </a:t>
+            </a:r>
+            <a:r>
               <a:rPr lang="nl-NL" dirty="0" err="1"/>
-              <a:t>V</a:t>
-            </a:r>
-            <a:r>
-              <a:rPr lang="nl-NL" dirty="0" err="1" smtClean="0"/>
-              <a:t>ariable</a:t>
-            </a:r>
-            <a:r>
-              <a:rPr lang="nl-NL" dirty="0" smtClean="0"/>
-              <a:t> </a:t>
-            </a:r>
-            <a:r>
-              <a:rPr lang="nl-NL" i="1" dirty="0" err="1"/>
-              <a:t>X</a:t>
-            </a:r>
-            <a:r>
-              <a:rPr lang="nl-NL" i="1" baseline="-25000" dirty="0" err="1"/>
-              <a:t>j</a:t>
+              <a:t>for</a:t>
             </a:r>
             <a:r>
               <a:rPr lang="nl-NL" dirty="0"/>
               <a:t> </a:t>
             </a:r>
             <a:r>
-              <a:rPr lang="nl-NL" dirty="0" err="1" smtClean="0"/>
-              <a:t>with</a:t>
-            </a:r>
-            <a:r>
-              <a:rPr lang="nl-NL" dirty="0" smtClean="0"/>
+              <a:rPr lang="nl-NL" dirty="0" err="1"/>
+              <a:t>each</a:t>
+            </a:r>
+            <a:r>
+              <a:rPr lang="nl-NL" dirty="0"/>
               <a:t> </a:t>
             </a:r>
             <a:r>
-              <a:rPr lang="nl-NL" dirty="0" err="1" smtClean="0"/>
-              <a:t>lowest</a:t>
-            </a:r>
-            <a:r>
-              <a:rPr lang="nl-NL" dirty="0" smtClean="0"/>
+              <a:rPr lang="nl-NL" dirty="0" err="1"/>
+              <a:t>variable</a:t>
+            </a:r>
+            <a:r>
+              <a:rPr lang="nl-NL" dirty="0"/>
               <a:t> </a:t>
+            </a:r>
+            <a:r>
+              <a:rPr lang="nl-NL" i="1" dirty="0" err="1" smtClean="0"/>
+              <a:t>X</a:t>
+            </a:r>
+            <a:r>
+              <a:rPr lang="nl-NL" i="1" baseline="-25000" dirty="0" err="1" smtClean="0"/>
+              <a:t>j</a:t>
+            </a:r>
+            <a:r>
+              <a:rPr lang="nl-NL" dirty="0" smtClean="0"/>
+              <a:t> </a:t>
+            </a:r>
+            <a:r>
+              <a:rPr lang="nl-NL" dirty="0" smtClean="0"/>
+              <a:t>a </a:t>
             </a:r>
             <a:r>
               <a:rPr lang="nl-NL" i="1" dirty="0" smtClean="0"/>
               <a:t>p</a:t>
             </a:r>
             <a:r>
-              <a:rPr lang="nl-NL" dirty="0" smtClean="0"/>
+              <a:rPr lang="nl-NL" dirty="0"/>
               <a:t> </a:t>
             </a:r>
             <a:r>
@@ -6404,19 +6313,19 @@
             </a:r>
             <a:r>
               <a:rPr lang="nl-NL" dirty="0" smtClean="0"/>
-              <a:t> is </a:t>
-            </a:r>
-            <a:r>
-              <a:rPr lang="nl-NL" dirty="0" err="1" smtClean="0"/>
-              <a:t>selected</a:t>
-            </a:r>
-            <a:r>
-              <a:rPr lang="nl-NL" dirty="0" smtClean="0"/>
               <a:t> </a:t>
             </a:r>
             <a:r>
               <a:rPr lang="nl-NL" dirty="0" err="1" smtClean="0"/>
-              <a:t>for</a:t>
+              <a:t>under</a:t>
+            </a:r>
+            <a:r>
+              <a:rPr lang="nl-NL" dirty="0" smtClean="0"/>
+              <a:t> H0 </a:t>
+            </a:r>
+            <a:r>
+              <a:rPr lang="nl-NL" dirty="0" err="1" smtClean="0"/>
+              <a:t>can</a:t>
             </a:r>
             <a:r>
               <a:rPr lang="nl-NL" dirty="0" smtClean="0"/>
@@ -6424,7 +6333,43 @@
             </a:r>
             <a:r>
               <a:rPr lang="nl-NL" dirty="0" err="1" smtClean="0"/>
-              <a:t>splitting</a:t>
+              <a:t>be</a:t>
+            </a:r>
+            <a:r>
+              <a:rPr lang="nl-NL" dirty="0" smtClean="0"/>
+              <a:t> </a:t>
+            </a:r>
+            <a:r>
+              <a:rPr lang="nl-NL" dirty="0" err="1" smtClean="0"/>
+              <a:t>calculated</a:t>
+            </a:r>
+            <a:r>
+              <a:rPr lang="nl-NL" dirty="0" smtClean="0"/>
+              <a:t>, </a:t>
+            </a:r>
+            <a:r>
+              <a:rPr lang="nl-NL" dirty="0" err="1" smtClean="0"/>
+              <a:t>based</a:t>
+            </a:r>
+            <a:r>
+              <a:rPr lang="nl-NL" dirty="0" smtClean="0"/>
+              <a:t> on the </a:t>
+            </a:r>
+            <a:r>
+              <a:rPr lang="nl-NL" dirty="0" err="1" smtClean="0"/>
+              <a:t>observations</a:t>
+            </a:r>
+            <a:r>
+              <a:rPr lang="nl-NL" dirty="0" smtClean="0"/>
+              <a:t> in the </a:t>
+            </a:r>
+            <a:r>
+              <a:rPr lang="nl-NL" dirty="0" err="1" smtClean="0"/>
+              <a:t>current</a:t>
+            </a:r>
+            <a:r>
+              <a:rPr lang="nl-NL" dirty="0" smtClean="0"/>
+              <a:t> node</a:t>
             </a:r>
             <a:endParaRPr lang="nl-NL" dirty="0" smtClean="0"/>
           </a:p>
@@ -6433,6 +6378,128 @@
               <a:buNone/>
             </a:pPr>
             <a:r>
+              <a:rPr lang="nl-NL" dirty="0" err="1"/>
+              <a:t>V</a:t>
+            </a:r>
+            <a:r>
+              <a:rPr lang="nl-NL" dirty="0" err="1" smtClean="0"/>
+              <a:t>ariable</a:t>
+            </a:r>
+            <a:r>
+              <a:rPr lang="nl-NL" dirty="0" smtClean="0"/>
+              <a:t> </a:t>
+            </a:r>
+            <a:r>
+              <a:rPr lang="nl-NL" i="1" dirty="0" err="1"/>
+              <a:t>X</a:t>
+            </a:r>
+            <a:r>
+              <a:rPr lang="nl-NL" i="1" baseline="-25000" dirty="0" err="1"/>
+              <a:t>j</a:t>
+            </a:r>
+            <a:r>
+              <a:rPr lang="nl-NL" dirty="0"/>
+              <a:t> </a:t>
+            </a:r>
+            <a:r>
+              <a:rPr lang="nl-NL" dirty="0" err="1" smtClean="0"/>
+              <a:t>with</a:t>
+            </a:r>
+            <a:r>
+              <a:rPr lang="nl-NL" dirty="0" smtClean="0"/>
+              <a:t> </a:t>
+            </a:r>
+            <a:r>
+              <a:rPr lang="nl-NL" dirty="0" err="1" smtClean="0"/>
+              <a:t>lowest</a:t>
+            </a:r>
+            <a:r>
+              <a:rPr lang="nl-NL" dirty="0" smtClean="0"/>
+              <a:t> </a:t>
+            </a:r>
+            <a:r>
+              <a:rPr lang="nl-NL" i="1" dirty="0" smtClean="0"/>
+              <a:t>p</a:t>
+            </a:r>
+            <a:r>
+              <a:rPr lang="nl-NL" dirty="0" smtClean="0"/>
+              <a:t> </a:t>
+            </a:r>
+            <a:r>
+              <a:rPr lang="nl-NL" dirty="0" err="1" smtClean="0"/>
+              <a:t>value</a:t>
+            </a:r>
+            <a:r>
+              <a:rPr lang="nl-NL" dirty="0" smtClean="0"/>
+              <a:t> is </a:t>
+            </a:r>
+            <a:r>
+              <a:rPr lang="nl-NL" dirty="0" err="1" smtClean="0"/>
+              <a:t>selected</a:t>
+            </a:r>
+            <a:r>
+              <a:rPr lang="nl-NL" dirty="0" smtClean="0"/>
+              <a:t> </a:t>
+            </a:r>
+            <a:r>
+              <a:rPr lang="nl-NL" dirty="0" err="1" smtClean="0"/>
+              <a:t>for</a:t>
+            </a:r>
+            <a:r>
+              <a:rPr lang="nl-NL" dirty="0" smtClean="0"/>
+              <a:t> </a:t>
+            </a:r>
+            <a:r>
+              <a:rPr lang="nl-NL" dirty="0" err="1" smtClean="0"/>
+              <a:t>splitting</a:t>
+            </a:r>
+            <a:r>
+              <a:rPr lang="nl-NL" dirty="0" smtClean="0"/>
+              <a:t> the </a:t>
+            </a:r>
+            <a:r>
+              <a:rPr lang="nl-NL" dirty="0" err="1" smtClean="0"/>
+              <a:t>observations</a:t>
+            </a:r>
+            <a:r>
+              <a:rPr lang="nl-NL" dirty="0" smtClean="0"/>
+              <a:t> </a:t>
+            </a:r>
+            <a:r>
+              <a:rPr lang="nl-NL" dirty="0" err="1" smtClean="0"/>
+              <a:t>into</a:t>
+            </a:r>
+            <a:r>
+              <a:rPr lang="nl-NL" dirty="0" smtClean="0"/>
+              <a:t> </a:t>
+            </a:r>
+            <a:r>
+              <a:rPr lang="nl-NL" dirty="0" err="1" smtClean="0"/>
+              <a:t>two</a:t>
+            </a:r>
+            <a:r>
+              <a:rPr lang="nl-NL" dirty="0" smtClean="0"/>
+              <a:t> </a:t>
+            </a:r>
+            <a:r>
+              <a:rPr lang="nl-NL" dirty="0" err="1" smtClean="0"/>
+              <a:t>daughter</a:t>
+            </a:r>
+            <a:r>
+              <a:rPr lang="nl-NL" dirty="0" smtClean="0"/>
+              <a:t> </a:t>
+            </a:r>
+            <a:r>
+              <a:rPr lang="nl-NL" dirty="0" err="1" smtClean="0"/>
+              <a:t>nodes</a:t>
+            </a:r>
+            <a:endParaRPr lang="nl-NL" dirty="0" smtClean="0"/>
+          </a:p>
+          <a:p>
+            <a:pPr lvl="1">
+              <a:buNone/>
+            </a:pPr>
+            <a:r>
               <a:rPr lang="nl-NL" dirty="0" err="1" smtClean="0"/>
               <a:t>If</a:t>
             </a:r>
@@ -6474,7 +6541,7 @@
             </a:r>
             <a:r>
               <a:rPr lang="nl-NL" dirty="0" smtClean="0"/>
-              <a:t>  </a:t>
+              <a:t> </a:t>
             </a:r>
             <a:r>
               <a:rPr lang="nl-NL" dirty="0" err="1" smtClean="0"/>
@@ -6524,14 +6591,14 @@
               <a:rPr lang="nl-NL" dirty="0" err="1" smtClean="0">
                 <a:cs typeface="Arial"/>
               </a:rPr>
-              <a:t>halted</a:t>
+              <a:t>performed</a:t>
             </a:r>
             <a:endParaRPr lang="nl-NL" dirty="0" smtClean="0">
               <a:cs typeface="Arial"/>
             </a:endParaRPr>
           </a:p>
           <a:p>
-            <a:pPr>
+            <a:pPr lvl="1">
               <a:buNone/>
             </a:pPr>
             <a:endParaRPr lang="en-US" dirty="0" smtClean="0">
@@ -6558,7 +6625,19 @@
               <a:rPr lang="en-US" dirty="0" smtClean="0">
                 <a:cs typeface="Arial"/>
               </a:rPr>
-              <a:t> as with CART (optimize loss function in </a:t>
+              <a:t> as with CART </a:t>
+            </a:r>
+            <a:r>
+              <a:rPr lang="en-US" dirty="0" smtClean="0">
+                <a:cs typeface="Arial"/>
+              </a:rPr>
+              <a:t>(i.e., optimize </a:t>
+            </a:r>
+            <a:r>
+              <a:rPr lang="en-US" dirty="0" smtClean="0">
+                <a:cs typeface="Arial"/>
+              </a:rPr>
+              <a:t>loss function in </a:t>
             </a:r>
             <a:r>
               <a:rPr lang="en-US" dirty="0" err="1" smtClean="0">
@@ -6763,7 +6842,7 @@
                                         <p:tgtEl>
                                           <p:spTgt spid="3">
                                             <p:txEl>
-                                              <p:pRg st="3" end="3"/>
+                                              <p:pRg st="4" end="4"/>
                                             </p:txEl>
                                           </p:spTgt>
                                         </p:tgtEl>
@@ -6794,7 +6873,7 @@
                                         <p:tgtEl>
                                           <p:spTgt spid="3">
                                             <p:txEl>
-                                              <p:pRg st="4" end="4"/>
+                                              <p:pRg st="5" end="5"/>
                                             </p:txEl>
                                           </p:spTgt>
                                         </p:tgtEl>
@@ -6825,7 +6904,7 @@
                                         <p:tgtEl>
                                           <p:spTgt spid="3">
                                             <p:txEl>
-                                              <p:pRg st="5" end="5"/>
+                                              <p:pRg st="6" end="6"/>
                                             </p:txEl>
                                           </p:spTgt>
                                         </p:tgtEl>
@@ -6874,7 +6953,7 @@
                                         <p:tgtEl>
                                           <p:spTgt spid="3">
                                             <p:txEl>
-                                              <p:pRg st="7" end="7"/>
+                                              <p:pRg st="8" end="8"/>
                                             </p:txEl>
                                           </p:spTgt>
                                         </p:tgtEl>
@@ -6923,7 +7002,7 @@
                                         <p:tgtEl>
                                           <p:spTgt spid="3">
                                             <p:txEl>
-                                              <p:pRg st="9" end="9"/>
+                                              <p:pRg st="10" end="10"/>
                                             </p:txEl>
                                           </p:spTgt>
                                         </p:tgtEl>
@@ -7006,11 +7085,7 @@
           <a:p>
             <a:r>
               <a:rPr lang="nl-NL" dirty="0" err="1" smtClean="0"/>
-              <a:t>E</a:t>
-            </a:r>
-            <a:r>
-              <a:rPr lang="nl-NL" dirty="0" err="1" smtClean="0"/>
-              <a:t>xercise</a:t>
+              <a:t>Exercise</a:t>
             </a:r>
             <a:r>
               <a:rPr lang="nl-NL" dirty="0" smtClean="0"/>
@@ -8152,11 +8227,7 @@
             </a:pPr>
             <a:r>
               <a:rPr lang="en-US" dirty="0" smtClean="0"/>
-              <a:t> </a:t>
-            </a:r>
-            <a:r>
-              <a:rPr lang="en-US" dirty="0" smtClean="0"/>
-              <a:t>Predictive </a:t>
+              <a:t> Predictive </a:t>
             </a:r>
             <a:r>
               <a:rPr lang="en-US" dirty="0"/>
@@ -8164,15 +8235,7 @@
             </a:r>
             <a:r>
               <a:rPr lang="en-US" dirty="0" smtClean="0"/>
-              <a:t>the full ensemble </a:t>
-            </a:r>
-            <a:r>
-              <a:rPr lang="en-US" dirty="0" smtClean="0"/>
-              <a:t>is always equal or better than </a:t>
-            </a:r>
-            <a:r>
-              <a:rPr lang="en-US" dirty="0" smtClean="0"/>
-              <a:t>that of any </a:t>
+              <a:t>the full ensemble is always equal or better than that of any </a:t>
             </a:r>
             <a:r>
               <a:rPr lang="en-US" dirty="0"/>
@@ -8180,11 +8243,7 @@
             </a:r>
             <a:r>
               <a:rPr lang="en-US" dirty="0" smtClean="0"/>
-              <a:t>constituent </a:t>
-            </a:r>
-            <a:r>
-              <a:rPr lang="en-US" dirty="0" smtClean="0"/>
-              <a:t>members</a:t>
+              <a:t>constituent members</a:t>
             </a:r>
           </a:p>
         </p:txBody>
@@ -8327,7 +8386,7 @@
                             </p:stCondLst>
                             <p:childTnLst>
                               <p:par>
-                                <p:cTn id="11" presetID="1" presetClass="entr" presetSubtype="0" fill="hold" grpId="0" nodeType="clickEffect">
+                                <p:cTn id="11" presetID="1" presetClass="entr" presetSubtype="0" fill="hold" nodeType="clickEffect">
                                   <p:stCondLst>
                                     <p:cond delay="0"/>
                                   </p:stCondLst>
@@ -8357,15 +8416,33 @@
                                   </p:childTnLst>
                                 </p:cTn>
                               </p:par>
+                            </p:childTnLst>
+                          </p:cTn>
+                        </p:par>
+                      </p:childTnLst>
+                    </p:cTn>
+                  </p:par>
+                  <p:par>
+                    <p:cTn id="13" fill="hold">
+                      <p:stCondLst>
+                        <p:cond delay="indefinite"/>
+                      </p:stCondLst>
+                      <p:childTnLst>
+                        <p:par>
+                          <p:cTn id="14" fill="hold">
+                            <p:stCondLst>
+                              <p:cond delay="0"/>
+                            </p:stCondLst>
+                            <p:childTnLst>
                               <p:par>
-                                <p:cTn id="13" presetID="1" presetClass="entr" presetSubtype="0" fill="hold" grpId="0" nodeType="withEffect">
+                                <p:cTn id="15" presetID="1" presetClass="entr" presetSubtype="0" fill="hold" grpId="0" nodeType="clickEffect">
                                   <p:stCondLst>
                                     <p:cond delay="0"/>
                                   </p:stCondLst>
                                   <p:childTnLst>
                                     <p:set>
                                       <p:cBhvr>
-                                        <p:cTn id="14" dur="1" fill="hold">
+                                        <p:cTn id="16" dur="1" fill="hold">
                                           <p:stCondLst>
                                             <p:cond delay="0"/>
                                           </p:stCondLst>
@@ -8416,7 +8493,7 @@
       </p:par>
     </p:tnLst>
     <p:bldLst>
-      <p:bldP spid="3" grpId="0" build="p"/>
+      <p:bldP spid="3" grpId="0" uiExpand="1" build="p"/>
     </p:bldLst>
   </p:timing>
 </p:sld>
@@ -9222,11 +9299,7 @@
             </a:r>
             <a:r>
               <a:rPr lang="nl-NL" dirty="0" smtClean="0"/>
-              <a:t> </a:t>
-            </a:r>
-            <a:r>
-              <a:rPr lang="nl-NL" dirty="0" smtClean="0"/>
-              <a:t>:</a:t>
+              <a:t> :</a:t>
             </a:r>
           </a:p>
           <a:p>
@@ -9237,11 +9310,7 @@
             </a:pPr>
             <a:r>
               <a:rPr lang="nl-NL" dirty="0" smtClean="0"/>
-              <a:t> </a:t>
-            </a:r>
-            <a:r>
-              <a:rPr lang="nl-NL" dirty="0" smtClean="0"/>
-              <a:t>Bootstrap </a:t>
+              <a:t> Bootstrap </a:t>
             </a:r>
             <a:r>
               <a:rPr lang="nl-NL" dirty="0" err="1" smtClean="0"/>
@@ -9259,7 +9328,6 @@
               <a:rPr lang="nl-NL" dirty="0" smtClean="0"/>
               <a:t>)</a:t>
             </a:r>
-            <a:endParaRPr lang="nl-NL" dirty="0" smtClean="0"/>
           </a:p>
           <a:p>
             <a:pPr lvl="1">
@@ -9356,7 +9424,7 @@
                             </p:stCondLst>
                             <p:childTnLst>
                               <p:par>
-                                <p:cTn id="5" presetID="1" presetClass="entr" presetSubtype="0" fill="hold" grpId="0" nodeType="clickEffect">
+                                <p:cTn id="5" presetID="1" presetClass="entr" presetSubtype="0" fill="hold" grpId="1" nodeType="clickEffect">
                                   <p:stCondLst>
                                     <p:cond delay="0"/>
                                   </p:stCondLst>
@@ -9387,7 +9455,7 @@
                                 </p:cTn>
                               </p:par>
                               <p:par>
-                                <p:cTn id="7" presetID="1" presetClass="entr" presetSubtype="0" fill="hold" grpId="0" nodeType="withEffect">
+                                <p:cTn id="7" presetID="1" presetClass="entr" presetSubtype="0" fill="hold" grpId="1" nodeType="withEffect">
                                   <p:stCondLst>
                                     <p:cond delay="0"/>
                                   </p:stCondLst>
@@ -9417,15 +9485,33 @@
                                   </p:childTnLst>
                                 </p:cTn>
                               </p:par>
+                            </p:childTnLst>
+                          </p:cTn>
+                        </p:par>
+                      </p:childTnLst>
+                    </p:cTn>
+                  </p:par>
+                  <p:par>
+                    <p:cTn id="9" fill="hold">
+                      <p:stCondLst>
+                        <p:cond delay="indefinite"/>
+                      </p:stCondLst>
+                      <p:childTnLst>
+                        <p:par>
+                          <p:cTn id="10" fill="hold">
+                            <p:stCondLst>
+                              <p:cond delay="0"/>
+                            </p:stCondLst>
+                            <p:childTnLst>
                               <p:par>
-                                <p:cTn id="9" presetID="1" presetClass="entr" presetSubtype="0" fill="hold" grpId="0" nodeType="withEffect">
+                                <p:cTn id="11" presetID="1" presetClass="entr" presetSubtype="0" fill="hold" grpId="1" nodeType="clickEffect">
                                   <p:stCondLst>
                                     <p:cond delay="0"/>
                                   </p:stCondLst>
                                   <p:childTnLst>
                                     <p:set>
                                       <p:cBhvr>
-                                        <p:cTn id="10" dur="1" fill="hold">
+                                        <p:cTn id="12" dur="1" fill="hold">
                                           <p:stCondLst>
                                             <p:cond delay="0"/>
                                           </p:stCondLst>
@@ -9448,15 +9534,33 @@
                                   </p:childTnLst>
                                 </p:cTn>
                               </p:par>
+                            </p:childTnLst>
+                          </p:cTn>
+                        </p:par>
+                      </p:childTnLst>
+                    </p:cTn>
+                  </p:par>
+                  <p:par>
+                    <p:cTn id="13" fill="hold">
+                      <p:stCondLst>
+                        <p:cond delay="indefinite"/>
+                      </p:stCondLst>
+                      <p:childTnLst>
+                        <p:par>
+                          <p:cTn id="14" fill="hold">
+                            <p:stCondLst>
+                              <p:cond delay="0"/>
+                            </p:stCondLst>
+                            <p:childTnLst>
                               <p:par>
-                                <p:cTn id="11" presetID="1" presetClass="entr" presetSubtype="0" fill="hold" grpId="0" nodeType="withEffect">
+                                <p:cTn id="15" presetID="1" presetClass="entr" presetSubtype="0" fill="hold" grpId="1" nodeType="clickEffect">
                                   <p:stCondLst>
                                     <p:cond delay="0"/>
                                   </p:stCondLst>
                                   <p:childTnLst>
                                     <p:set>
                                       <p:cBhvr>
-                                        <p:cTn id="12" dur="1" fill="hold">
+                                        <p:cTn id="16" dur="1" fill="hold">
                                           <p:stCondLst>
                                             <p:cond delay="0"/>
                                           </p:stCondLst>
@@ -9479,15 +9583,33 @@
                                   </p:childTnLst>
                                 </p:cTn>
                               </p:par>
+                            </p:childTnLst>
+                          </p:cTn>
+                        </p:par>
+                      </p:childTnLst>
+                    </p:cTn>
+                  </p:par>
+                  <p:par>
+                    <p:cTn id="17" fill="hold">
+                      <p:stCondLst>
+                        <p:cond delay="indefinite"/>
+                      </p:stCondLst>
+                      <p:childTnLst>
+                        <p:par>
+                          <p:cTn id="18" fill="hold">
+                            <p:stCondLst>
+                              <p:cond delay="0"/>
+                            </p:stCondLst>
+                            <p:childTnLst>
                               <p:par>
-                                <p:cTn id="13" presetID="1" presetClass="entr" presetSubtype="0" fill="hold" grpId="0" nodeType="withEffect">
+                                <p:cTn id="19" presetID="1" presetClass="entr" presetSubtype="0" fill="hold" grpId="1" nodeType="clickEffect">
                                   <p:stCondLst>
                                     <p:cond delay="0"/>
                                   </p:stCondLst>
                                   <p:childTnLst>
                                     <p:set>
                                       <p:cBhvr>
-                                        <p:cTn id="14" dur="1" fill="hold">
+                                        <p:cTn id="20" dur="1" fill="hold">
                                           <p:stCondLst>
                                             <p:cond delay="0"/>
                                           </p:stCondLst>
@@ -9511,14 +9633,14 @@
                                 </p:cTn>
                               </p:par>
                               <p:par>
-                                <p:cTn id="15" presetID="1" presetClass="entr" presetSubtype="0" fill="hold" grpId="0" nodeType="withEffect">
+                                <p:cTn id="21" presetID="1" presetClass="entr" presetSubtype="0" fill="hold" grpId="1" nodeType="withEffect">
                                   <p:stCondLst>
                                     <p:cond delay="0"/>
                                   </p:stCondLst>
                                   <p:childTnLst>
                                     <p:set>
                                       <p:cBhvr>
-                                        <p:cTn id="16" dur="1" fill="hold">
+                                        <p:cTn id="22" dur="1" fill="hold">
                                           <p:stCondLst>
                                             <p:cond delay="0"/>
                                           </p:stCondLst>
@@ -9542,14 +9664,14 @@
                                 </p:cTn>
                               </p:par>
                               <p:par>
-                                <p:cTn id="17" presetID="1" presetClass="entr" presetSubtype="0" fill="hold" grpId="0" nodeType="withEffect">
+                                <p:cTn id="23" presetID="1" presetClass="entr" presetSubtype="0" fill="hold" grpId="1" nodeType="withEffect">
                                   <p:stCondLst>
                                     <p:cond delay="0"/>
                                   </p:stCondLst>
                                   <p:childTnLst>
                                     <p:set>
                                       <p:cBhvr>
-                                        <p:cTn id="18" dur="1" fill="hold">
+                                        <p:cTn id="24" dur="1" fill="hold">
                                           <p:stCondLst>
                                             <p:cond delay="0"/>
                                           </p:stCondLst>
@@ -9573,14 +9695,14 @@
                                 </p:cTn>
                               </p:par>
                               <p:par>
-                                <p:cTn id="19" presetID="1" presetClass="entr" presetSubtype="0" fill="hold" grpId="0" nodeType="withEffect">
+                                <p:cTn id="25" presetID="1" presetClass="entr" presetSubtype="0" fill="hold" grpId="1" nodeType="withEffect">
                                   <p:stCondLst>
                                     <p:cond delay="0"/>
                                   </p:stCondLst>
                                   <p:childTnLst>
                                     <p:set>
                                       <p:cBhvr>
-                                        <p:cTn id="20" dur="1" fill="hold">
+                                        <p:cTn id="26" dur="1" fill="hold">
                                           <p:stCondLst>
                                             <p:cond delay="0"/>
                                           </p:stCondLst>
@@ -9631,7 +9753,7 @@
       </p:par>
     </p:tnLst>
     <p:bldLst>
-      <p:bldP spid="3" grpId="0" build="p"/>
+      <p:bldP spid="3" grpId="1" uiExpand="1" build="p"/>
     </p:bldLst>
   </p:timing>
 </p:sld>
@@ -9867,11 +9989,7 @@
             <a:pPr algn="ctr"/>
             <a:r>
               <a:rPr lang="en-US" dirty="0" smtClean="0"/>
-              <a:t>Sampling rows of </a:t>
-            </a:r>
-            <a:r>
-              <a:rPr lang="en-US" dirty="0" smtClean="0"/>
-              <a:t>X </a:t>
+              <a:t>Sampling rows of X </a:t>
             </a:r>
             <a:r>
               <a:rPr lang="en-US" dirty="0" err="1" smtClean="0"/>
@@ -10527,15 +10645,7 @@
             </a:r>
             <a:r>
               <a:rPr lang="en-US" dirty="0" smtClean="0"/>
-              <a:t> of trees and reduction </a:t>
-            </a:r>
-            <a:r>
-              <a:rPr lang="en-US" dirty="0" smtClean="0"/>
-              <a:t>of </a:t>
-            </a:r>
-            <a:r>
-              <a:rPr lang="en-US" dirty="0" smtClean="0"/>
-              <a:t>variance</a:t>
+              <a:t> of trees and reduction of variance</a:t>
             </a:r>
             <a:endParaRPr lang="nl-NL" dirty="0"/>
           </a:p>
@@ -11101,11 +11211,7 @@
             </a:r>
             <a:r>
               <a:rPr lang="nl-NL" sz="1800" dirty="0" err="1" smtClean="0"/>
-              <a:t>d</a:t>
-            </a:r>
-            <a:r>
-              <a:rPr lang="nl-NL" sz="1800" dirty="0" err="1" smtClean="0"/>
-              <a:t>efaults</a:t>
+              <a:t>defaults</a:t>
             </a:r>
             <a:r>
               <a:rPr lang="nl-NL" sz="1800" dirty="0" smtClean="0"/>
@@ -11204,11 +11310,7 @@
             </a:r>
             <a:r>
               <a:rPr lang="nl-NL" sz="1800" dirty="0" smtClean="0"/>
-              <a:t> </a:t>
-            </a:r>
-            <a:r>
-              <a:rPr lang="nl-NL" sz="1800" dirty="0" smtClean="0"/>
-              <a:t>trees </a:t>
+              <a:t> trees </a:t>
             </a:r>
             <a:r>
               <a:rPr lang="nl-NL" sz="1800" dirty="0" err="1" smtClean="0"/>
@@ -11216,11 +11318,7 @@
             </a:r>
             <a:r>
               <a:rPr lang="nl-NL" sz="1800" dirty="0" smtClean="0"/>
-              <a:t> as </a:t>
-            </a:r>
-            <a:r>
-              <a:rPr lang="nl-NL" sz="1800" dirty="0" smtClean="0"/>
-              <a:t>well </a:t>
+              <a:t> as well </a:t>
             </a:r>
             <a:r>
               <a:rPr lang="nl-NL" sz="1800" dirty="0" err="1" smtClean="0"/>
@@ -11236,11 +11334,7 @@
             </a:r>
             <a:r>
               <a:rPr lang="nl-NL" sz="1800" dirty="0" smtClean="0"/>
-              <a:t> low </a:t>
-            </a:r>
-            <a:r>
-              <a:rPr lang="nl-NL" sz="1800" dirty="0" smtClean="0"/>
-              <a:t>bias) </a:t>
+              <a:t> low bias) </a:t>
             </a:r>
           </a:p>
           <a:p>
@@ -11254,11 +11348,7 @@
             </a:r>
             <a:r>
               <a:rPr lang="nl-NL" sz="2400" dirty="0" smtClean="0"/>
-              <a:t> (# </a:t>
-            </a:r>
-            <a:r>
-              <a:rPr lang="nl-NL" sz="2400" dirty="0" smtClean="0"/>
-              <a:t>of predictor </a:t>
+              <a:t> (# of predictor </a:t>
             </a:r>
             <a:r>
               <a:rPr lang="nl-NL" sz="2400" dirty="0" err="1" smtClean="0"/>
@@ -12008,7 +12098,7 @@
         <p:spPr/>
         <p:txBody>
           <a:bodyPr>
-            <a:normAutofit lnSpcReduction="10000"/>
+            <a:normAutofit fontScale="92500" lnSpcReduction="10000"/>
           </a:bodyPr>
           <a:lstStyle/>
           <a:p>
@@ -12042,39 +12132,35 @@
               <a:t> on bootstrap or sub samples of the data, we </a:t>
             </a:r>
             <a:r>
-              <a:rPr lang="nl-NL" dirty="0" err="1"/>
-              <a:t>can</a:t>
-            </a:r>
-            <a:r>
-              <a:rPr lang="nl-NL" dirty="0"/>
+              <a:rPr lang="nl-NL" dirty="0" smtClean="0"/>
+              <a:t>do </a:t>
+            </a:r>
+            <a:r>
+              <a:rPr lang="nl-NL" dirty="0" err="1" smtClean="0"/>
+              <a:t>not</a:t>
+            </a:r>
+            <a:r>
+              <a:rPr lang="nl-NL" dirty="0" smtClean="0"/>
               <a:t> </a:t>
             </a:r>
             <a:r>
-              <a:rPr lang="nl-NL" dirty="0" err="1"/>
-              <a:t>use</a:t>
-            </a:r>
-            <a:r>
-              <a:rPr lang="nl-NL" dirty="0"/>
+              <a:rPr lang="nl-NL" dirty="0" err="1" smtClean="0"/>
+              <a:t>need</a:t>
+            </a:r>
+            <a:r>
+              <a:rPr lang="nl-NL" dirty="0" smtClean="0"/>
+              <a:t> separate test data </a:t>
+            </a:r>
+            <a:r>
+              <a:rPr lang="nl-NL" dirty="0" err="1" smtClean="0"/>
+              <a:t>for</a:t>
+            </a:r>
+            <a:r>
+              <a:rPr lang="nl-NL" dirty="0" smtClean="0"/>
               <a:t> </a:t>
             </a:r>
             <a:r>
-              <a:rPr lang="nl-NL" dirty="0" err="1" smtClean="0"/>
-              <a:t>trainining</a:t>
-            </a:r>
-            <a:r>
-              <a:rPr lang="nl-NL" dirty="0" smtClean="0"/>
-              <a:t> data </a:t>
-            </a:r>
-            <a:r>
-              <a:rPr lang="nl-NL" dirty="0" err="1" smtClean="0"/>
-              <a:t>for</a:t>
-            </a:r>
-            <a:r>
-              <a:rPr lang="nl-NL" dirty="0" smtClean="0"/>
-              <a:t> </a:t>
-            </a:r>
-            <a:r>
-              <a:rPr lang="nl-NL" dirty="0"/>
+              <a:rPr lang="nl-NL" dirty="0" smtClean="0"/>
               <a:t>error </a:t>
             </a:r>
             <a:r>
@@ -12128,24 +12214,28 @@
               <a:t> </a:t>
             </a:r>
             <a:r>
+              <a:rPr lang="nl-NL" i="1" dirty="0" smtClean="0"/>
+              <a:t>Y</a:t>
+            </a:r>
+            <a:r>
+              <a:rPr lang="nl-NL" dirty="0" smtClean="0"/>
+              <a:t> </a:t>
+            </a:r>
+            <a:r>
               <a:rPr lang="nl-NL" dirty="0" err="1"/>
-              <a:t>value</a:t>
-            </a:r>
-            <a:r>
-              <a:rPr lang="nl-NL" dirty="0"/>
-              <a:t> of </a:t>
-            </a:r>
-            <a:r>
-              <a:rPr lang="nl-NL" i="1" dirty="0"/>
-              <a:t>Y</a:t>
+              <a:t>using</a:t>
             </a:r>
             <a:r>
               <a:rPr lang="nl-NL" dirty="0"/>
               <a:t> </a:t>
             </a:r>
             <a:r>
+              <a:rPr lang="nl-NL" dirty="0" smtClean="0"/>
+              <a:t>trees </a:t>
+            </a:r>
+            <a:r>
               <a:rPr lang="nl-NL" dirty="0" err="1"/>
-              <a:t>using</a:t>
+              <a:t>that</a:t>
             </a:r>
             <a:r>
               <a:rPr lang="nl-NL" dirty="0"/>
@@ -12153,15 +12243,7 @@
             </a:r>
             <a:r>
               <a:rPr lang="nl-NL" dirty="0" err="1"/>
-              <a:t>only</a:t>
-            </a:r>
-            <a:r>
-              <a:rPr lang="nl-NL" dirty="0"/>
-              <a:t> trees </a:t>
-            </a:r>
-            <a:r>
-              <a:rPr lang="nl-NL" dirty="0" err="1"/>
-              <a:t>that</a:t>
+              <a:t>were</a:t>
             </a:r>
             <a:r>
               <a:rPr lang="nl-NL" dirty="0"/>
@@ -12169,19 +12251,19 @@
             </a:r>
             <a:r>
               <a:rPr lang="nl-NL" dirty="0" err="1"/>
-              <a:t>were</a:t>
+              <a:t>grown</a:t>
             </a:r>
             <a:r>
               <a:rPr lang="nl-NL" dirty="0"/>
               <a:t> </a:t>
             </a:r>
             <a:r>
-              <a:rPr lang="nl-NL" dirty="0" err="1"/>
-              <a:t>grown</a:t>
+              <a:rPr lang="nl-NL" dirty="0" smtClean="0"/>
+              <a:t>on </a:t>
             </a:r>
             <a:r>
               <a:rPr lang="nl-NL" dirty="0"/>
-              <a:t> on bootstrap samples </a:t>
+              <a:t>samples </a:t>
             </a:r>
             <a:r>
               <a:rPr lang="nl-NL" dirty="0" err="1"/>
@@ -12209,8 +12291,13 @@
             </a:r>
             <a:r>
               <a:rPr lang="nl-NL" i="1" dirty="0" smtClean="0"/>
-              <a:t>i</a:t>
-            </a:r>
+              <a:t>i </a:t>
+            </a:r>
+            <a:r>
+              <a:rPr lang="nl-NL" dirty="0" smtClean="0"/>
+              <a:t>(out-of-bag)</a:t>
+            </a:r>
+            <a:endParaRPr lang="nl-NL" i="1" dirty="0" smtClean="0"/>
           </a:p>
           <a:p>
             <a:pPr>
@@ -12219,7 +12306,15 @@
             </a:pPr>
             <a:r>
               <a:rPr lang="nl-NL" dirty="0" err="1" smtClean="0"/>
-              <a:t>Calculate</a:t>
+              <a:t>Then</a:t>
+            </a:r>
+            <a:r>
+              <a:rPr lang="nl-NL" dirty="0" smtClean="0"/>
+              <a:t> </a:t>
+            </a:r>
+            <a:r>
+              <a:rPr lang="nl-NL" dirty="0" err="1" smtClean="0"/>
+              <a:t>calculate</a:t>
             </a:r>
             <a:r>
               <a:rPr lang="nl-NL" dirty="0" smtClean="0"/>
@@ -12258,20 +12353,20 @@
           <p:nvPr>
             <p:extLst>
               <p:ext uri="{D42A27DB-BD31-4B8C-83A1-F6EECF244321}">
-                <p14:modId xmlns:p14="http://schemas.microsoft.com/office/powerpoint/2010/main" val="2639900463"/>
+                <p14:modId xmlns:p14="http://schemas.microsoft.com/office/powerpoint/2010/main" val="359188641"/>
               </p:ext>
             </p:extLst>
           </p:nvPr>
         </p:nvGraphicFramePr>
         <p:xfrm>
-          <a:off x="3995936" y="4869160"/>
+          <a:off x="4716016" y="4653136"/>
           <a:ext cx="2546350" cy="777875"/>
         </p:xfrm>
         <a:graphic>
           <a:graphicData uri="http://schemas.openxmlformats.org/presentationml/2006/ole">
             <mc:AlternateContent xmlns:mc="http://schemas.openxmlformats.org/markup-compatibility/2006">
               <mc:Choice xmlns:v="urn:schemas-microsoft-com:vml" Requires="v">
-                <p:oleObj spid="_x0000_s16395" name="Vergelijking" r:id="rId3" imgW="1371600" imgH="419100" progId="Equation.3">
+                <p:oleObj spid="_x0000_s16401" name="Vergelijking" r:id="rId3" imgW="1371600" imgH="419100" progId="Equation.3">
                   <p:embed/>
                 </p:oleObj>
               </mc:Choice>
@@ -12301,7 +12396,7 @@
                     </p:blipFill>
                     <p:spPr bwMode="auto">
                       <a:xfrm>
-                        <a:off x="3995936" y="4869160"/>
+                        <a:off x="4716016" y="4653136"/>
                         <a:ext cx="2546350" cy="777875"/>
                       </a:xfrm>
                       <a:prstGeom prst="rect">
@@ -12360,9 +12455,6 @@
                     <p:cTn id="3" fill="hold">
                       <p:stCondLst>
                         <p:cond delay="indefinite"/>
-                        <p:cond evt="onBegin" delay="0">
-                          <p:tn val="2"/>
-                        </p:cond>
                       </p:stCondLst>
                       <p:childTnLst>
                         <p:par>
@@ -12372,7 +12464,7 @@
                             </p:stCondLst>
                             <p:childTnLst>
                               <p:par>
-                                <p:cTn id="5" presetID="1" presetClass="entr" presetSubtype="0" fill="hold" nodeType="withEffect">
+                                <p:cTn id="5" presetID="1" presetClass="entr" presetSubtype="0" fill="hold" nodeType="clickEffect">
                                   <p:stCondLst>
                                     <p:cond delay="0"/>
                                   </p:stCondLst>
@@ -12380,6 +12472,99 @@
                                     <p:set>
                                       <p:cBhvr>
                                         <p:cTn id="6" dur="1" fill="hold">
+                                          <p:stCondLst>
+                                            <p:cond delay="0"/>
+                                          </p:stCondLst>
+                                        </p:cTn>
+                                        <p:tgtEl>
+                                          <p:spTgt spid="3">
+                                            <p:txEl>
+                                              <p:pRg st="1" end="1"/>
+                                            </p:txEl>
+                                          </p:spTgt>
+                                        </p:tgtEl>
+                                        <p:attrNameLst>
+                                          <p:attrName>style.visibility</p:attrName>
+                                        </p:attrNameLst>
+                                      </p:cBhvr>
+                                      <p:to>
+                                        <p:strVal val="visible"/>
+                                      </p:to>
+                                    </p:set>
+                                  </p:childTnLst>
+                                </p:cTn>
+                              </p:par>
+                              <p:par>
+                                <p:cTn id="7" presetID="1" presetClass="entr" presetSubtype="0" fill="hold" nodeType="withEffect">
+                                  <p:stCondLst>
+                                    <p:cond delay="0"/>
+                                  </p:stCondLst>
+                                  <p:childTnLst>
+                                    <p:set>
+                                      <p:cBhvr>
+                                        <p:cTn id="8" dur="1" fill="hold">
+                                          <p:stCondLst>
+                                            <p:cond delay="0"/>
+                                          </p:stCondLst>
+                                        </p:cTn>
+                                        <p:tgtEl>
+                                          <p:spTgt spid="3">
+                                            <p:txEl>
+                                              <p:pRg st="2" end="2"/>
+                                            </p:txEl>
+                                          </p:spTgt>
+                                        </p:tgtEl>
+                                        <p:attrNameLst>
+                                          <p:attrName>style.visibility</p:attrName>
+                                        </p:attrNameLst>
+                                      </p:cBhvr>
+                                      <p:to>
+                                        <p:strVal val="visible"/>
+                                      </p:to>
+                                    </p:set>
+                                  </p:childTnLst>
+                                </p:cTn>
+                              </p:par>
+                              <p:par>
+                                <p:cTn id="9" presetID="1" presetClass="entr" presetSubtype="0" fill="hold" nodeType="withEffect">
+                                  <p:stCondLst>
+                                    <p:cond delay="0"/>
+                                  </p:stCondLst>
+                                  <p:childTnLst>
+                                    <p:set>
+                                      <p:cBhvr>
+                                        <p:cTn id="10" dur="1" fill="hold">
+                                          <p:stCondLst>
+                                            <p:cond delay="0"/>
+                                          </p:stCondLst>
+                                        </p:cTn>
+                                        <p:tgtEl>
+                                          <p:spTgt spid="3">
+                                            <p:txEl>
+                                              <p:pRg st="3" end="3"/>
+                                            </p:txEl>
+                                          </p:spTgt>
+                                        </p:tgtEl>
+                                        <p:attrNameLst>
+                                          <p:attrName>style.visibility</p:attrName>
+                                        </p:attrNameLst>
+                                      </p:cBhvr>
+                                      <p:to>
+                                        <p:strVal val="visible"/>
+                                      </p:to>
+                                    </p:set>
+                                  </p:childTnLst>
+                                </p:cTn>
+                              </p:par>
+                              <p:par>
+                                <p:cTn id="11" presetID="1" presetClass="entr" presetSubtype="0" fill="hold" nodeType="withEffect">
+                                  <p:stCondLst>
+                                    <p:cond delay="0"/>
+                                  </p:stCondLst>
+                                  <p:childTnLst>
+                                    <p:set>
+                                      <p:cBhvr>
+                                        <p:cTn id="12" dur="1" fill="hold">
                                           <p:stCondLst>
                                             <p:cond delay="0"/>
                                           </p:stCondLst>
@@ -12946,9 +13131,6 @@
                     <p:cTn id="3" fill="hold">
                       <p:stCondLst>
                         <p:cond delay="indefinite"/>
-                        <p:cond evt="onBegin" delay="0">
-                          <p:tn val="2"/>
-                        </p:cond>
                       </p:stCondLst>
                       <p:childTnLst>
                         <p:par>
@@ -12958,7 +13140,7 @@
                             </p:stCondLst>
                             <p:childTnLst>
                               <p:par>
-                                <p:cTn id="5" presetID="1" presetClass="entr" presetSubtype="0" fill="hold" grpId="0" nodeType="withEffect">
+                                <p:cTn id="5" presetID="1" presetClass="entr" presetSubtype="0" fill="hold" grpId="0" nodeType="clickEffect">
                                   <p:stCondLst>
                                     <p:cond delay="0"/>
                                   </p:stCondLst>
@@ -13086,15 +13268,33 @@
                                   </p:childTnLst>
                                 </p:cTn>
                               </p:par>
+                            </p:childTnLst>
+                          </p:cTn>
+                        </p:par>
+                      </p:childTnLst>
+                    </p:cTn>
+                  </p:par>
+                  <p:par>
+                    <p:cTn id="15" fill="hold">
+                      <p:stCondLst>
+                        <p:cond delay="indefinite"/>
+                      </p:stCondLst>
+                      <p:childTnLst>
+                        <p:par>
+                          <p:cTn id="16" fill="hold">
+                            <p:stCondLst>
+                              <p:cond delay="0"/>
+                            </p:stCondLst>
+                            <p:childTnLst>
                               <p:par>
-                                <p:cTn id="15" presetID="1" presetClass="entr" presetSubtype="0" fill="hold" grpId="0" nodeType="withEffect">
+                                <p:cTn id="17" presetID="1" presetClass="entr" presetSubtype="0" fill="hold" grpId="0" nodeType="clickEffect">
                                   <p:stCondLst>
                                     <p:cond delay="0"/>
                                   </p:stCondLst>
                                   <p:childTnLst>
                                     <p:set>
                                       <p:cBhvr>
-                                        <p:cTn id="16" dur="1" fill="hold">
+                                        <p:cTn id="18" dur="1" fill="hold">
                                           <p:stCondLst>
                                             <p:cond delay="0"/>
                                           </p:stCondLst>
@@ -13117,15 +13317,33 @@
                                   </p:childTnLst>
                                 </p:cTn>
                               </p:par>
+                            </p:childTnLst>
+                          </p:cTn>
+                        </p:par>
+                      </p:childTnLst>
+                    </p:cTn>
+                  </p:par>
+                  <p:par>
+                    <p:cTn id="19" fill="hold">
+                      <p:stCondLst>
+                        <p:cond delay="indefinite"/>
+                      </p:stCondLst>
+                      <p:childTnLst>
+                        <p:par>
+                          <p:cTn id="20" fill="hold">
+                            <p:stCondLst>
+                              <p:cond delay="0"/>
+                            </p:stCondLst>
+                            <p:childTnLst>
                               <p:par>
-                                <p:cTn id="17" presetID="1" presetClass="entr" presetSubtype="0" fill="hold" grpId="0" nodeType="withEffect">
+                                <p:cTn id="21" presetID="1" presetClass="entr" presetSubtype="0" fill="hold" grpId="0" nodeType="clickEffect">
                                   <p:stCondLst>
                                     <p:cond delay="0"/>
                                   </p:stCondLst>
                                   <p:childTnLst>
                                     <p:set>
                                       <p:cBhvr>
-                                        <p:cTn id="18" dur="1" fill="hold">
+                                        <p:cTn id="22" dur="1" fill="hold">
                                           <p:stCondLst>
                                             <p:cond delay="0"/>
                                           </p:stCondLst>
@@ -13148,15 +13366,33 @@
                                   </p:childTnLst>
                                 </p:cTn>
                               </p:par>
+                            </p:childTnLst>
+                          </p:cTn>
+                        </p:par>
+                      </p:childTnLst>
+                    </p:cTn>
+                  </p:par>
+                  <p:par>
+                    <p:cTn id="23" fill="hold">
+                      <p:stCondLst>
+                        <p:cond delay="indefinite"/>
+                      </p:stCondLst>
+                      <p:childTnLst>
+                        <p:par>
+                          <p:cTn id="24" fill="hold">
+                            <p:stCondLst>
+                              <p:cond delay="0"/>
+                            </p:stCondLst>
+                            <p:childTnLst>
                               <p:par>
-                                <p:cTn id="19" presetID="1" presetClass="entr" presetSubtype="0" fill="hold" grpId="0" nodeType="withEffect">
+                                <p:cTn id="25" presetID="1" presetClass="entr" presetSubtype="0" fill="hold" grpId="0" nodeType="clickEffect">
                                   <p:stCondLst>
                                     <p:cond delay="0"/>
                                   </p:stCondLst>
                                   <p:childTnLst>
                                     <p:set>
                                       <p:cBhvr>
-                                        <p:cTn id="20" dur="1" fill="hold">
+                                        <p:cTn id="26" dur="1" fill="hold">
                                           <p:stCondLst>
                                             <p:cond delay="0"/>
                                           </p:stCondLst>
@@ -13179,15 +13415,33 @@
                                   </p:childTnLst>
                                 </p:cTn>
                               </p:par>
+                            </p:childTnLst>
+                          </p:cTn>
+                        </p:par>
+                      </p:childTnLst>
+                    </p:cTn>
+                  </p:par>
+                  <p:par>
+                    <p:cTn id="27" fill="hold">
+                      <p:stCondLst>
+                        <p:cond delay="indefinite"/>
+                      </p:stCondLst>
+                      <p:childTnLst>
+                        <p:par>
+                          <p:cTn id="28" fill="hold">
+                            <p:stCondLst>
+                              <p:cond delay="0"/>
+                            </p:stCondLst>
+                            <p:childTnLst>
                               <p:par>
-                                <p:cTn id="21" presetID="1" presetClass="entr" presetSubtype="0" fill="hold" grpId="0" nodeType="withEffect">
+                                <p:cTn id="29" presetID="1" presetClass="entr" presetSubtype="0" fill="hold" grpId="0" nodeType="clickEffect">
                                   <p:stCondLst>
                                     <p:cond delay="0"/>
                                   </p:stCondLst>
                                   <p:childTnLst>
                                     <p:set>
                                       <p:cBhvr>
-                                        <p:cTn id="22" dur="1" fill="hold">
+                                        <p:cTn id="30" dur="1" fill="hold">
                                           <p:stCondLst>
                                             <p:cond delay="0"/>
                                           </p:stCondLst>
@@ -13238,7 +13492,7 @@
       </p:par>
     </p:tnLst>
     <p:bldLst>
-      <p:bldP spid="3" grpId="0" build="p"/>
+      <p:bldP spid="3" grpId="0" uiExpand="1" build="p"/>
     </p:bldLst>
   </p:timing>
 </p:sld>
@@ -13297,7 +13551,7 @@
         <p:spPr/>
         <p:txBody>
           <a:bodyPr>
-            <a:normAutofit/>
+            <a:normAutofit lnSpcReduction="10000"/>
           </a:bodyPr>
           <a:lstStyle/>
           <a:p>
@@ -13392,13 +13646,8 @@
             </a:r>
             <a:r>
               <a:rPr lang="en-US" dirty="0" smtClean="0"/>
-              <a:t> through sampling of </a:t>
-            </a:r>
-            <a:r>
-              <a:rPr lang="en-US" dirty="0" smtClean="0"/>
-              <a:t>observations</a:t>
-            </a:r>
-            <a:endParaRPr lang="en-US" dirty="0" smtClean="0"/>
+              <a:t> through sampling of observations</a:t>
+            </a:r>
           </a:p>
           <a:p>
             <a:pPr lvl="1">
@@ -13420,21 +13669,8 @@
             </a:r>
             <a:r>
               <a:rPr lang="en-US" dirty="0" smtClean="0"/>
-              <a:t> through sampling </a:t>
-            </a:r>
-            <a:r>
-              <a:rPr lang="en-US" dirty="0" smtClean="0"/>
-              <a:t>observations </a:t>
-            </a:r>
-            <a:r>
-              <a:rPr lang="en-US" dirty="0" smtClean="0"/>
-              <a:t>as well as </a:t>
-            </a:r>
-            <a:r>
-              <a:rPr lang="en-US" dirty="0" smtClean="0"/>
-              <a:t>variables</a:t>
-            </a:r>
-            <a:endParaRPr lang="en-US" dirty="0" smtClean="0"/>
+              <a:t> through sampling observations as well as variables</a:t>
+            </a:r>
           </a:p>
           <a:p>
             <a:pPr lvl="1">
@@ -13448,7 +13684,11 @@
             </a:r>
             <a:r>
               <a:rPr lang="en-US" dirty="0" smtClean="0"/>
-              <a:t> Boosting </a:t>
+              <a:t> </a:t>
+            </a:r>
+            <a:r>
+              <a:rPr lang="en-US" dirty="0" smtClean="0"/>
+              <a:t>Boosting </a:t>
             </a:r>
             <a:r>
               <a:rPr lang="en-US" dirty="0" err="1" smtClean="0"/>
@@ -13456,23 +13696,7 @@
             </a:r>
             <a:r>
               <a:rPr lang="en-US" dirty="0" smtClean="0"/>
-              <a:t> by growing each tree on </a:t>
-            </a:r>
-            <a:r>
-              <a:rPr lang="en-US" dirty="0" smtClean="0"/>
-              <a:t>a </a:t>
-            </a:r>
-            <a:r>
-              <a:rPr lang="en-US" dirty="0" err="1" smtClean="0"/>
-              <a:t>residualized</a:t>
-            </a:r>
-            <a:r>
-              <a:rPr lang="en-US" dirty="0" smtClean="0"/>
-              <a:t> </a:t>
-            </a:r>
-            <a:r>
-              <a:rPr lang="en-US" dirty="0" smtClean="0"/>
-              <a:t>version of the outcome variable Y</a:t>
+              <a:t> trees through growing them sequentially: each tree is grown on the residuals of earlier trees</a:t>
             </a:r>
             <a:endParaRPr lang="nl-NL" dirty="0"/>
           </a:p>
@@ -13789,8 +14013,8 @@
           </a:p>
         </p:txBody>
       </p:sp>
-      <mc:AlternateContent xmlns:mc="http://schemas.openxmlformats.org/markup-compatibility/2006">
-        <mc:Choice xmlns:a14="http://schemas.microsoft.com/office/drawing/2010/main" Requires="a14">
+      <mc:AlternateContent xmlns:mc="http://schemas.openxmlformats.org/markup-compatibility/2006" xmlns:a14="http://schemas.microsoft.com/office/drawing/2010/main">
+        <mc:Choice Requires="a14">
           <p:sp>
             <p:nvSpPr>
               <p:cNvPr id="3" name="Content Placeholder 2"/>
@@ -14153,7 +14377,7 @@
             </p:txBody>
           </p:sp>
         </mc:Choice>
-        <mc:Fallback>
+        <mc:Fallback xmlns="">
           <p:sp>
             <p:nvSpPr>
               <p:cNvPr id="3" name="Content Placeholder 2"/>
@@ -14200,7 +14424,110 @@
   <p:timing>
     <p:tnLst>
       <p:par>
-        <p:cTn id="1" dur="indefinite" restart="never" nodeType="tmRoot"/>
+        <p:cTn id="1" dur="indefinite" restart="never" nodeType="tmRoot">
+          <p:childTnLst>
+            <p:seq concurrent="1" nextAc="seek">
+              <p:cTn id="2" dur="indefinite" nodeType="mainSeq">
+                <p:childTnLst>
+                  <p:par>
+                    <p:cTn id="3" fill="hold">
+                      <p:stCondLst>
+                        <p:cond delay="indefinite"/>
+                      </p:stCondLst>
+                      <p:childTnLst>
+                        <p:par>
+                          <p:cTn id="4" fill="hold">
+                            <p:stCondLst>
+                              <p:cond delay="0"/>
+                            </p:stCondLst>
+                            <p:childTnLst>
+                              <p:par>
+                                <p:cTn id="5" presetID="1" presetClass="entr" presetSubtype="0" fill="hold" nodeType="clickEffect">
+                                  <p:stCondLst>
+                                    <p:cond delay="0"/>
+                                  </p:stCondLst>
+                                  <p:childTnLst>
+                                    <p:set>
+                                      <p:cBhvr>
+                                        <p:cTn id="6" dur="1" fill="hold">
+                                          <p:stCondLst>
+                                            <p:cond delay="0"/>
+                                          </p:stCondLst>
+                                        </p:cTn>
+                                        <p:tgtEl>
+                                          <p:spTgt spid="3">
+                                            <p:txEl>
+                                              <p:pRg st="4" end="4"/>
+                                            </p:txEl>
+                                          </p:spTgt>
+                                        </p:tgtEl>
+                                        <p:attrNameLst>
+                                          <p:attrName>style.visibility</p:attrName>
+                                        </p:attrNameLst>
+                                      </p:cBhvr>
+                                      <p:to>
+                                        <p:strVal val="visible"/>
+                                      </p:to>
+                                    </p:set>
+                                  </p:childTnLst>
+                                </p:cTn>
+                              </p:par>
+                              <p:par>
+                                <p:cTn id="7" presetID="1" presetClass="entr" presetSubtype="0" fill="hold" nodeType="withEffect">
+                                  <p:stCondLst>
+                                    <p:cond delay="0"/>
+                                  </p:stCondLst>
+                                  <p:childTnLst>
+                                    <p:set>
+                                      <p:cBhvr>
+                                        <p:cTn id="8" dur="1" fill="hold">
+                                          <p:stCondLst>
+                                            <p:cond delay="0"/>
+                                          </p:stCondLst>
+                                        </p:cTn>
+                                        <p:tgtEl>
+                                          <p:spTgt spid="3">
+                                            <p:txEl>
+                                              <p:pRg st="2" end="2"/>
+                                            </p:txEl>
+                                          </p:spTgt>
+                                        </p:tgtEl>
+                                        <p:attrNameLst>
+                                          <p:attrName>style.visibility</p:attrName>
+                                        </p:attrNameLst>
+                                      </p:cBhvr>
+                                      <p:to>
+                                        <p:strVal val="visible"/>
+                                      </p:to>
+                                    </p:set>
+                                  </p:childTnLst>
+                                </p:cTn>
+                              </p:par>
+                            </p:childTnLst>
+                          </p:cTn>
+                        </p:par>
+                      </p:childTnLst>
+                    </p:cTn>
+                  </p:par>
+                </p:childTnLst>
+              </p:cTn>
+              <p:prevCondLst>
+                <p:cond evt="onPrev" delay="0">
+                  <p:tgtEl>
+                    <p:sldTgt/>
+                  </p:tgtEl>
+                </p:cond>
+              </p:prevCondLst>
+              <p:nextCondLst>
+                <p:cond evt="onNext" delay="0">
+                  <p:tgtEl>
+                    <p:sldTgt/>
+                  </p:tgtEl>
+                </p:cond>
+              </p:nextCondLst>
+            </p:seq>
+          </p:childTnLst>
+        </p:cTn>
       </p:par>
     </p:tnLst>
   </p:timing>
@@ -14360,11 +14687,7 @@
             </a:r>
             <a:r>
               <a:rPr lang="nl-NL" dirty="0" smtClean="0"/>
-              <a:t> (t</a:t>
-            </a:r>
-            <a:r>
-              <a:rPr lang="nl-NL" dirty="0" smtClean="0"/>
-              <a:t>ree </a:t>
+              <a:t> (tree </a:t>
             </a:r>
             <a:r>
               <a:rPr lang="nl-NL" dirty="0" err="1" smtClean="0"/>
@@ -14446,7 +14769,6 @@
               <a:rPr lang="nl-NL" dirty="0" smtClean="0"/>
               <a:t>) </a:t>
             </a:r>
-            <a:endParaRPr lang="nl-NL" dirty="0" smtClean="0"/>
           </a:p>
           <a:p>
             <a:pPr marL="457200" lvl="1" indent="0">
@@ -14461,11 +14783,7 @@
             </a:r>
             <a:r>
               <a:rPr lang="nl-NL" dirty="0" smtClean="0"/>
-              <a:t> </a:t>
-            </a:r>
-            <a:r>
-              <a:rPr lang="nl-NL" dirty="0" smtClean="0"/>
-              <a:t>of </a:t>
+              <a:t> of </a:t>
             </a:r>
             <a:r>
               <a:rPr lang="nl-NL" dirty="0" err="1" smtClean="0"/>
@@ -14481,13 +14799,8 @@
             </a:r>
             <a:r>
               <a:rPr lang="nl-NL" dirty="0" smtClean="0"/>
-              <a:t> = </a:t>
-            </a:r>
-            <a:r>
-              <a:rPr lang="nl-NL" dirty="0" smtClean="0"/>
-              <a:t>4</a:t>
-            </a:r>
-            <a:endParaRPr lang="nl-NL" dirty="0" smtClean="0"/>
+              <a:t> = 4</a:t>
+            </a:r>
           </a:p>
           <a:p>
             <a:pPr marL="270000" indent="-270000">
@@ -14503,21 +14816,8 @@
             </a:r>
             <a:r>
               <a:rPr lang="nl-NL" dirty="0" smtClean="0"/>
-              <a:t> (#</a:t>
-            </a:r>
-            <a:r>
-              <a:rPr lang="nl-NL" dirty="0" smtClean="0"/>
-              <a:t> </a:t>
-            </a:r>
-            <a:r>
-              <a:rPr lang="nl-NL" dirty="0" smtClean="0"/>
-              <a:t>of </a:t>
-            </a:r>
-            <a:r>
-              <a:rPr lang="nl-NL" dirty="0" smtClean="0"/>
-              <a:t>trees):</a:t>
-            </a:r>
-            <a:endParaRPr lang="nl-NL" dirty="0" smtClean="0"/>
+              <a:t> (# of trees):</a:t>
+            </a:r>
           </a:p>
           <a:p>
             <a:pPr marL="457200" lvl="1" indent="0">
@@ -14536,11 +14836,7 @@
             </a:r>
             <a:r>
               <a:rPr lang="nl-NL" dirty="0" smtClean="0"/>
-              <a:t> </a:t>
-            </a:r>
-            <a:r>
-              <a:rPr lang="nl-NL" dirty="0" smtClean="0"/>
-              <a:t>of </a:t>
+              <a:t> of </a:t>
             </a:r>
             <a:r>
               <a:rPr lang="nl-NL" dirty="0" err="1" smtClean="0"/>
@@ -14556,11 +14852,7 @@
             </a:r>
             <a:r>
               <a:rPr lang="nl-NL" dirty="0" smtClean="0"/>
-              <a:t> </a:t>
-            </a:r>
-            <a:r>
-              <a:rPr lang="nl-NL" dirty="0" smtClean="0"/>
-              <a:t>1 / </a:t>
+              <a:t> 1 / </a:t>
             </a:r>
             <a:r>
               <a:rPr lang="nl-NL" dirty="0" err="1" smtClean="0"/>
@@ -14578,11 +14870,7 @@
             </a:pPr>
             <a:r>
               <a:rPr lang="nl-NL" dirty="0" err="1" smtClean="0"/>
-              <a:t>s</a:t>
-            </a:r>
-            <a:r>
-              <a:rPr lang="nl-NL" dirty="0" err="1" smtClean="0"/>
-              <a:t>hrinkage</a:t>
+              <a:t>shrinkage</a:t>
             </a:r>
             <a:r>
               <a:rPr lang="nl-NL" dirty="0" smtClean="0"/>
@@ -16147,8 +16435,8 @@
           </a:p>
         </p:txBody>
       </p:sp>
-      <mc:AlternateContent xmlns:mc="http://schemas.openxmlformats.org/markup-compatibility/2006">
-        <mc:Choice xmlns:a14="http://schemas.microsoft.com/office/drawing/2010/main" Requires="a14">
+      <mc:AlternateContent xmlns:mc="http://schemas.openxmlformats.org/markup-compatibility/2006" xmlns:a14="http://schemas.microsoft.com/office/drawing/2010/main">
+        <mc:Choice Requires="a14">
           <p:sp>
             <p:nvSpPr>
               <p:cNvPr id="3" name="Content Placeholder 2"/>
@@ -16496,7 +16784,7 @@
             </p:txBody>
           </p:sp>
         </mc:Choice>
-        <mc:Fallback>
+        <mc:Fallback xmlns="">
           <p:sp>
             <p:nvSpPr>
               <p:cNvPr id="3" name="Content Placeholder 2"/>
@@ -16680,24 +16968,23 @@
               <a:t>and</a:t>
             </a:r>
             <a:r>
-              <a:rPr lang="nl-NL" dirty="0" smtClean="0"/>
-              <a:t> ensembles </a:t>
-            </a:r>
-            <a:r>
-              <a:rPr lang="nl-NL" dirty="0" smtClean="0"/>
-              <a:t>– </a:t>
-            </a:r>
-            <a:r>
-              <a:rPr lang="nl-NL" dirty="0" err="1" smtClean="0"/>
-              <a:t>some</a:t>
-            </a:r>
-            <a:r>
-              <a:rPr lang="nl-NL" dirty="0" smtClean="0"/>
+              <a:rPr lang="nl-NL" smtClean="0"/>
               <a:t> </a:t>
             </a:r>
             <a:r>
-              <a:rPr lang="nl-NL" dirty="0" err="1" smtClean="0"/>
-              <a:t>final</a:t>
+              <a:rPr lang="nl-NL" smtClean="0"/>
+              <a:t>ensembles:</a:t>
+            </a:r>
+            <a:r>
+              <a:rPr lang="nl-NL" dirty="0" smtClean="0"/>
+              <a:t/>
+            </a:r>
+            <a:br>
+              <a:rPr lang="nl-NL" dirty="0" smtClean="0"/>
+            </a:br>
+            <a:r>
+              <a:rPr lang="nl-NL" dirty="0" err="1" smtClean="0"/>
+              <a:t>Concluding</a:t>
             </a:r>
             <a:r>
               <a:rPr lang="nl-NL" dirty="0" smtClean="0"/>
@@ -16705,7 +16992,7 @@
             </a:r>
             <a:r>
               <a:rPr lang="nl-NL" dirty="0" err="1" smtClean="0"/>
-              <a:t>thoughts</a:t>
+              <a:t>remarks</a:t>
             </a:r>
             <a:endParaRPr lang="nl-NL" dirty="0"/>
           </a:p>
@@ -16729,7 +17016,7 @@
         </p:spPr>
         <p:txBody>
           <a:bodyPr>
-            <a:normAutofit fontScale="70000" lnSpcReduction="20000"/>
+            <a:normAutofit fontScale="62500" lnSpcReduction="20000"/>
           </a:bodyPr>
           <a:lstStyle/>
           <a:p>
@@ -16790,14 +17077,12 @@
             </a:pPr>
             <a:r>
               <a:rPr lang="en-US" dirty="0" smtClean="0"/>
-              <a:t>Tree ensembles generally use all of the predictor variables: evaluation of all variables for new cases may be expensive / infeasible</a:t>
-            </a:r>
-          </a:p>
-          <a:p>
-            <a:pPr marL="457200" lvl="1" indent="0">
-              <a:buNone/>
-            </a:pPr>
-            <a:endParaRPr lang="nl-NL" dirty="0" smtClean="0"/>
+              <a:t>Tree ensembles generally use all of the predictor variables: evaluation of all variables for new cases may be expensive / </a:t>
+            </a:r>
+            <a:r>
+              <a:rPr lang="en-US" dirty="0" smtClean="0"/>
+              <a:t>infeasible</a:t>
+            </a:r>
           </a:p>
           <a:p>
             <a:pPr>
@@ -16806,29 +17091,16 @@
               </a:buBlip>
             </a:pPr>
             <a:r>
-              <a:rPr lang="nl-NL" dirty="0" smtClean="0"/>
-              <a:t> I</a:t>
-            </a:r>
-            <a:r>
               <a:rPr lang="en-US" dirty="0" smtClean="0"/>
-              <a:t>n </a:t>
-            </a:r>
-            <a:r>
-              <a:rPr lang="en-US" dirty="0" smtClean="0"/>
-              <a:t>data </a:t>
-            </a:r>
-            <a:r>
-              <a:rPr lang="en-US" dirty="0" smtClean="0"/>
-              <a:t>with little or no noise, boosting often </a:t>
-            </a:r>
-            <a:r>
-              <a:rPr lang="en-US" dirty="0" smtClean="0"/>
-              <a:t>outperforms </a:t>
-            </a:r>
-            <a:r>
-              <a:rPr lang="en-US" dirty="0" smtClean="0"/>
-              <a:t>random forests </a:t>
-            </a:r>
+              <a:t>If we have lots of data and computation power available, tree ensembles provide very good predictive accuracy </a:t>
+            </a:r>
+            <a:endParaRPr lang="en-US" dirty="0" smtClean="0"/>
+          </a:p>
+          <a:p>
+            <a:pPr marL="457200" lvl="1" indent="0">
+              <a:buNone/>
+            </a:pPr>
+            <a:endParaRPr lang="nl-NL" dirty="0" smtClean="0"/>
           </a:p>
           <a:p>
             <a:pPr>
@@ -16837,16 +17109,12 @@
               </a:buBlip>
             </a:pPr>
             <a:r>
+              <a:rPr lang="nl-NL" dirty="0" smtClean="0"/>
+              <a:t> I</a:t>
+            </a:r>
+            <a:r>
               <a:rPr lang="en-US" dirty="0" smtClean="0"/>
-              <a:t> In </a:t>
-            </a:r>
-            <a:r>
-              <a:rPr lang="en-US" dirty="0" smtClean="0"/>
-              <a:t>noisy data, random forests often </a:t>
-            </a:r>
-            <a:r>
-              <a:rPr lang="en-US" dirty="0" smtClean="0"/>
-              <a:t>outperform boosting</a:t>
+              <a:t>n data with little or no noise, boosting often outperforms random forests </a:t>
             </a:r>
           </a:p>
           <a:p>
@@ -16856,14 +17124,9 @@
               </a:buBlip>
             </a:pPr>
             <a:r>
-              <a:rPr lang="en-US" dirty="0"/>
-              <a:t> </a:t>
-            </a:r>
-            <a:r>
               <a:rPr lang="en-US" dirty="0" smtClean="0"/>
-              <a:t>Boosting requires careful parameter tuning to perform well, random forest works well out-of-the-box</a:t>
-            </a:r>
-            <a:endParaRPr lang="en-US" dirty="0" smtClean="0"/>
+              <a:t> In noisy data, random forests often outperform boosting</a:t>
+            </a:r>
           </a:p>
           <a:p>
             <a:pPr>
@@ -16872,12 +17135,23 @@
               </a:buBlip>
             </a:pPr>
             <a:r>
+              <a:rPr lang="en-US" dirty="0"/>
+              <a:t> </a:t>
+            </a:r>
+            <a:r>
               <a:rPr lang="en-US" dirty="0" smtClean="0"/>
-              <a:t> Boosting</a:t>
-            </a:r>
+              <a:t>Boosting requires careful parameter tuning to perform well, random forest works well out-of-the-box</a:t>
+            </a:r>
+          </a:p>
+          <a:p>
+            <a:pPr>
+              <a:buBlip>
+                <a:blip r:embed="rId2"/>
+              </a:buBlip>
+            </a:pPr>
             <a:r>
               <a:rPr lang="en-US" dirty="0" smtClean="0"/>
-              <a:t>, bagging and random forest approaches can be combined</a:t>
+              <a:t> Boosting, bagging and random forest approaches can be combined</a:t>
             </a:r>
           </a:p>
           <a:p>
@@ -16896,21 +17170,8 @@
             </a:r>
             <a:r>
               <a:rPr lang="en-US" dirty="0" smtClean="0"/>
-              <a:t>() function uses bootstrap </a:t>
-            </a:r>
-            <a:r>
-              <a:rPr lang="en-US" dirty="0" smtClean="0"/>
-              <a:t>sampling </a:t>
-            </a:r>
-            <a:r>
-              <a:rPr lang="en-US" dirty="0" smtClean="0"/>
-              <a:t>by </a:t>
-            </a:r>
-            <a:r>
-              <a:rPr lang="en-US" dirty="0" smtClean="0"/>
-              <a:t>default</a:t>
-            </a:r>
-            <a:endParaRPr lang="en-US" dirty="0" smtClean="0"/>
+              <a:t>() function uses bootstrap sampling by default</a:t>
+            </a:r>
           </a:p>
           <a:p>
             <a:pPr>
@@ -17103,15 +17364,33 @@
                                   </p:childTnLst>
                                 </p:cTn>
                               </p:par>
+                            </p:childTnLst>
+                          </p:cTn>
+                        </p:par>
+                      </p:childTnLst>
+                    </p:cTn>
+                  </p:par>
+                  <p:par>
+                    <p:cTn id="13" fill="hold">
+                      <p:stCondLst>
+                        <p:cond delay="indefinite"/>
+                      </p:stCondLst>
+                      <p:childTnLst>
+                        <p:par>
+                          <p:cTn id="14" fill="hold">
+                            <p:stCondLst>
+                              <p:cond delay="0"/>
+                            </p:stCondLst>
+                            <p:childTnLst>
                               <p:par>
-                                <p:cTn id="13" presetID="1" presetClass="entr" presetSubtype="0" fill="hold" grpId="0" nodeType="withEffect">
+                                <p:cTn id="15" presetID="1" presetClass="entr" presetSubtype="0" fill="hold" grpId="0" nodeType="clickEffect">
                                   <p:stCondLst>
                                     <p:cond delay="0"/>
                                   </p:stCondLst>
                                   <p:childTnLst>
                                     <p:set>
                                       <p:cBhvr>
-                                        <p:cTn id="14" dur="1" fill="hold">
+                                        <p:cTn id="16" dur="1" fill="hold">
                                           <p:stCondLst>
                                             <p:cond delay="0"/>
                                           </p:stCondLst>
@@ -17119,7 +17398,7 @@
                                         <p:tgtEl>
                                           <p:spTgt spid="3">
                                             <p:txEl>
-                                              <p:pRg st="5" end="5"/>
+                                              <p:pRg st="4" end="4"/>
                                             </p:txEl>
                                           </p:spTgt>
                                         </p:tgtEl>
@@ -17134,26 +17413,8 @@
                                   </p:childTnLst>
                                 </p:cTn>
                               </p:par>
-                            </p:childTnLst>
-                          </p:cTn>
-                        </p:par>
-                      </p:childTnLst>
-                    </p:cTn>
-                  </p:par>
-                  <p:par>
-                    <p:cTn id="15" fill="hold">
-                      <p:stCondLst>
-                        <p:cond delay="indefinite"/>
-                      </p:stCondLst>
-                      <p:childTnLst>
-                        <p:par>
-                          <p:cTn id="16" fill="hold">
-                            <p:stCondLst>
-                              <p:cond delay="0"/>
-                            </p:stCondLst>
-                            <p:childTnLst>
                               <p:par>
-                                <p:cTn id="17" presetID="1" presetClass="entr" presetSubtype="0" fill="hold" grpId="0" nodeType="clickEffect">
+                                <p:cTn id="17" presetID="1" presetClass="entr" presetSubtype="0" fill="hold" grpId="0" nodeType="withEffect">
                                   <p:stCondLst>
                                     <p:cond delay="0"/>
                                   </p:stCondLst>
@@ -17281,15 +17542,33 @@
                                   </p:childTnLst>
                                 </p:cTn>
                               </p:par>
+                            </p:childTnLst>
+                          </p:cTn>
+                        </p:par>
+                      </p:childTnLst>
+                    </p:cTn>
+                  </p:par>
+                  <p:par>
+                    <p:cTn id="27" fill="hold">
+                      <p:stCondLst>
+                        <p:cond delay="indefinite"/>
+                      </p:stCondLst>
+                      <p:childTnLst>
+                        <p:par>
+                          <p:cTn id="28" fill="hold">
+                            <p:stCondLst>
+                              <p:cond delay="0"/>
+                            </p:stCondLst>
+                            <p:childTnLst>
                               <p:par>
-                                <p:cTn id="27" presetID="1" presetClass="entr" presetSubtype="0" fill="hold" grpId="0" nodeType="withEffect">
+                                <p:cTn id="29" presetID="1" presetClass="entr" presetSubtype="0" fill="hold" grpId="0" nodeType="clickEffect">
                                   <p:stCondLst>
                                     <p:cond delay="0"/>
                                   </p:stCondLst>
                                   <p:childTnLst>
                                     <p:set>
                                       <p:cBhvr>
-                                        <p:cTn id="28" dur="1" fill="hold">
+                                        <p:cTn id="30" dur="1" fill="hold">
                                           <p:stCondLst>
                                             <p:cond delay="0"/>
                                           </p:stCondLst>
@@ -17298,6 +17577,37 @@
                                           <p:spTgt spid="3">
                                             <p:txEl>
                                               <p:pRg st="9" end="9"/>
+                                            </p:txEl>
+                                          </p:spTgt>
+                                        </p:tgtEl>
+                                        <p:attrNameLst>
+                                          <p:attrName>style.visibility</p:attrName>
+                                        </p:attrNameLst>
+                                      </p:cBhvr>
+                                      <p:to>
+                                        <p:strVal val="visible"/>
+                                      </p:to>
+                                    </p:set>
+                                  </p:childTnLst>
+                                </p:cTn>
+                              </p:par>
+                              <p:par>
+                                <p:cTn id="31" presetID="1" presetClass="entr" presetSubtype="0" fill="hold" grpId="0" nodeType="withEffect">
+                                  <p:stCondLst>
+                                    <p:cond delay="0"/>
+                                  </p:stCondLst>
+                                  <p:childTnLst>
+                                    <p:set>
+                                      <p:cBhvr>
+                                        <p:cTn id="32" dur="1" fill="hold">
+                                          <p:stCondLst>
+                                            <p:cond delay="0"/>
+                                          </p:stCondLst>
+                                        </p:cTn>
+                                        <p:tgtEl>
+                                          <p:spTgt spid="3">
+                                            <p:txEl>
+                                              <p:pRg st="10" end="10"/>
                                             </p:txEl>
                                           </p:spTgt>
                                         </p:tgtEl>
@@ -18288,22 +18598,14 @@
             </a:br>
             <a:r>
               <a:rPr lang="nl-NL" sz="3300" dirty="0" smtClean="0"/>
-              <a:t>(e.g., </a:t>
-            </a:r>
-            <a:r>
-              <a:rPr lang="nl-NL" sz="3300" dirty="0" smtClean="0"/>
-              <a:t>CART</a:t>
-            </a:r>
-            <a:r>
-              <a:rPr lang="nl-NL" sz="3300" dirty="0" smtClean="0"/>
-              <a:t>)</a:t>
+              <a:t>(e.g., CART)</a:t>
             </a:r>
             <a:endParaRPr lang="nl-NL" sz="3300" dirty="0"/>
           </a:p>
         </p:txBody>
       </p:sp>
-      <mc:AlternateContent xmlns:mc="http://schemas.openxmlformats.org/markup-compatibility/2006">
-        <mc:Choice xmlns:a14="http://schemas.microsoft.com/office/drawing/2010/main" Requires="a14">
+      <mc:AlternateContent xmlns:mc="http://schemas.openxmlformats.org/markup-compatibility/2006" xmlns:a14="http://schemas.microsoft.com/office/drawing/2010/main">
+        <mc:Choice Requires="a14">
           <p:sp>
             <p:nvSpPr>
               <p:cNvPr id="3" name="Tijdelijke aanduiding voor inhoud 2"/>
@@ -18360,11 +18662,7 @@
                 </a:r>
                 <a:r>
                   <a:rPr lang="nl-NL" dirty="0" smtClean="0"/>
-                  <a:t>, </a:t>
-                </a:r>
-                <a:r>
-                  <a:rPr lang="nl-NL" dirty="0" smtClean="0"/>
-                  <a:t>X</a:t>
+                  <a:t>, X</a:t>
                 </a:r>
                 <a:r>
                   <a:rPr lang="nl-NL" baseline="-25000" dirty="0" smtClean="0"/>
@@ -18372,11 +18670,7 @@
                 </a:r>
                 <a:r>
                   <a:rPr lang="nl-NL" dirty="0" smtClean="0"/>
-                  <a:t>, </a:t>
-                </a:r>
-                <a:r>
-                  <a:rPr lang="nl-NL" dirty="0" smtClean="0"/>
-                  <a:t>…, X</a:t>
+                  <a:t>, …, X</a:t>
                 </a:r>
                 <a:r>
                   <a:rPr lang="nl-NL" baseline="-25000" dirty="0" smtClean="0"/>
@@ -18440,11 +18734,7 @@
                 </a:r>
                 <a:r>
                   <a:rPr lang="nl-NL" dirty="0" smtClean="0"/>
-                  <a:t> </a:t>
-                </a:r>
-                <a:r>
-                  <a:rPr lang="nl-NL" dirty="0" smtClean="0"/>
-                  <a:t>to the terminal </a:t>
+                  <a:t> to the terminal </a:t>
                 </a:r>
                 <a:r>
                   <a:rPr lang="nl-NL" dirty="0" err="1" smtClean="0"/>
@@ -18452,11 +18742,7 @@
                 </a:r>
                 <a:r>
                   <a:rPr lang="nl-NL" dirty="0" smtClean="0"/>
-                  <a:t> of the </a:t>
-                </a:r>
-                <a:r>
-                  <a:rPr lang="nl-NL" dirty="0" smtClean="0"/>
-                  <a:t>tree</a:t>
+                  <a:t> of the tree</a:t>
                 </a:r>
                 <a:endParaRPr lang="en-US" dirty="0" smtClean="0"/>
               </a:p>
@@ -18468,29 +18754,8 @@
                 </a:pPr>
                 <a:r>
                   <a:rPr lang="en-US" dirty="0" smtClean="0"/>
-                  <a:t>R</a:t>
+                  <a:t>Regions should be as similar (pure) as possible with respect to the outcome Y</a:t>
                 </a:r>
-                <a:r>
-                  <a:rPr lang="en-US" dirty="0" smtClean="0"/>
-                  <a:t>egions should </a:t>
-                </a:r>
-                <a:r>
-                  <a:rPr lang="en-US" dirty="0" smtClean="0"/>
-                  <a:t>be as </a:t>
-                </a:r>
-                <a:r>
-                  <a:rPr lang="en-US" dirty="0" smtClean="0"/>
-                  <a:t>similar (pure) </a:t>
-                </a:r>
-                <a:r>
-                  <a:rPr lang="en-US" dirty="0" smtClean="0"/>
-                  <a:t>as possible with respect to the outcome </a:t>
-                </a:r>
-                <a:r>
-                  <a:rPr lang="en-US" dirty="0" smtClean="0"/>
-                  <a:t>Y</a:t>
-                </a:r>
-                <a:endParaRPr lang="en-US" dirty="0" smtClean="0"/>
               </a:p>
               <a:p>
                 <a:pPr lvl="1">
@@ -18517,23 +18782,7 @@
                 </a:r>
                 <a:r>
                   <a:rPr lang="en-US" dirty="0" smtClean="0"/>
-                  <a:t>(Y</a:t>
-                </a:r>
-                <a:r>
-                  <a:rPr lang="en-US" dirty="0" smtClean="0"/>
-                  <a:t>) should be as small as possible </a:t>
-                </a:r>
-                <a:r>
-                  <a:rPr lang="en-US" dirty="0" smtClean="0"/>
-                  <a:t>within </a:t>
-                </a:r>
-                <a:r>
-                  <a:rPr lang="en-US" dirty="0" smtClean="0"/>
-                  <a:t>each </a:t>
-                </a:r>
-                <a:r>
-                  <a:rPr lang="en-US" dirty="0" smtClean="0"/>
-                  <a:t>region</a:t>
+                  <a:t>(Y) should be as small as possible within each region</a:t>
                 </a:r>
               </a:p>
               <a:p>
@@ -18547,11 +18796,7 @@
                 </a:pPr>
                 <a:r>
                   <a:rPr lang="en-US" dirty="0" smtClean="0"/>
-                  <a:t>Finding </a:t>
-                </a:r>
-                <a:r>
-                  <a:rPr lang="en-US" dirty="0" smtClean="0"/>
-                  <a:t>regions </a:t>
+                  <a:t>Finding regions </a:t>
                 </a:r>
                 <a:r>
                   <a:rPr lang="nl-NL" dirty="0" smtClean="0"/>
@@ -18579,15 +18824,7 @@
                 </a:r>
                 <a:r>
                   <a:rPr lang="en-US" dirty="0" smtClean="0"/>
-                  <a:t>} that provide a global optimum is computationally </a:t>
-                </a:r>
-                <a:r>
-                  <a:rPr lang="en-US" dirty="0" smtClean="0"/>
-                  <a:t>difficult (often </a:t>
-                </a:r>
-                <a:r>
-                  <a:rPr lang="en-US" dirty="0" smtClean="0"/>
-                  <a:t>infeasible)</a:t>
+                  <a:t>} that provide a global optimum is computationally difficult (often infeasible)</a:t>
                 </a:r>
               </a:p>
               <a:p>
@@ -18598,15 +18835,7 @@
                 </a:pPr>
                 <a:r>
                   <a:rPr lang="en-US" dirty="0" smtClean="0"/>
-                  <a:t>Most </a:t>
-                </a:r>
-                <a:r>
-                  <a:rPr lang="en-US" dirty="0" smtClean="0"/>
-                  <a:t>tree-growing algorithms turn it into a feasible task </a:t>
-                </a:r>
-                <a:r>
-                  <a:rPr lang="en-US" dirty="0" smtClean="0"/>
-                  <a:t>by employing:</a:t>
+                  <a:t>Most tree-growing algorithms turn it into a feasible task by employing:</a:t>
                 </a:r>
                 <a:endParaRPr lang="nl-NL" dirty="0" smtClean="0"/>
               </a:p>
@@ -18632,11 +18861,7 @@
                 </a:r>
                 <a:r>
                   <a:rPr lang="nl-NL" dirty="0" smtClean="0"/>
-                  <a:t> </a:t>
-                </a:r>
-                <a:r>
-                  <a:rPr lang="nl-NL" dirty="0" smtClean="0"/>
-                  <a:t>(i.e., </a:t>
+                  <a:t> (i.e., </a:t>
                 </a:r>
                 <a:r>
                   <a:rPr lang="nl-NL" dirty="0" err="1" smtClean="0"/>
@@ -18691,7 +18916,6 @@
                   <a:rPr lang="nl-NL" dirty="0" smtClean="0"/>
                   <a:t>wo-way splits</a:t>
                 </a:r>
-                <a:endParaRPr lang="nl-NL" dirty="0" smtClean="0"/>
               </a:p>
               <a:p>
                 <a:pPr lvl="1">
@@ -18738,11 +18962,7 @@
                 </a:r>
                 <a:r>
                   <a:rPr lang="nl-NL" dirty="0" smtClean="0"/>
-                  <a:t> </a:t>
-                </a:r>
-                <a:r>
-                  <a:rPr lang="nl-NL" dirty="0" smtClean="0"/>
-                  <a:t>step, no </a:t>
+                  <a:t> step, no </a:t>
                 </a:r>
                 <a:r>
                   <a:rPr lang="nl-NL" dirty="0" err="1" smtClean="0"/>
@@ -18773,19 +18993,7 @@
                 </a:pPr>
                 <a:r>
                   <a:rPr lang="en-US" dirty="0" smtClean="0"/>
-                  <a:t>Once </a:t>
-                </a:r>
-                <a:r>
-                  <a:rPr lang="en-US" dirty="0" smtClean="0"/>
-                  <a:t>tree is </a:t>
-                </a:r>
-                <a:r>
-                  <a:rPr lang="en-US" dirty="0" smtClean="0"/>
-                  <a:t>constructed</a:t>
-                </a:r>
-                <a:r>
-                  <a:rPr lang="en-US" dirty="0" smtClean="0"/>
-                  <a:t>, the </a:t>
+                  <a:t>Once tree is constructed, the </a:t>
                 </a:r>
                 <a:r>
                   <a:rPr lang="en-US" dirty="0"/>
@@ -18839,22 +19047,13 @@
                 </a14:m>
                 <a:r>
                   <a:rPr lang="en-US" dirty="0" smtClean="0"/>
-                  <a:t> </a:t>
+                  <a:t> for new observations (sometimes, median may be preferred)</a:t>
                 </a:r>
-                <a:r>
-                  <a:rPr lang="en-US" dirty="0" smtClean="0"/>
-                  <a:t>for </a:t>
-                </a:r>
-                <a:r>
-                  <a:rPr lang="en-US" dirty="0" smtClean="0"/>
-                  <a:t>new observations (sometimes, median may be preferred)</a:t>
-                </a:r>
-                <a:endParaRPr lang="en-US" dirty="0" smtClean="0"/>
               </a:p>
             </p:txBody>
           </p:sp>
         </mc:Choice>
-        <mc:Fallback>
+        <mc:Fallback xmlns="">
           <p:sp>
             <p:nvSpPr>
               <p:cNvPr id="3" name="Tijdelijke aanduiding voor inhoud 2"/>
@@ -19643,11 +19842,7 @@
             </a:pPr>
             <a:r>
               <a:rPr lang="nl-NL" dirty="0" smtClean="0"/>
-              <a:t>Different </a:t>
-            </a:r>
-            <a:r>
-              <a:rPr lang="nl-NL" dirty="0" smtClean="0"/>
-              <a:t>loss </a:t>
+              <a:t>Different loss </a:t>
             </a:r>
             <a:r>
               <a:rPr lang="nl-NL" dirty="0" err="1" smtClean="0"/>
@@ -19853,7 +20048,7 @@
           <a:graphicData uri="http://schemas.openxmlformats.org/presentationml/2006/ole">
             <mc:AlternateContent xmlns:mc="http://schemas.openxmlformats.org/markup-compatibility/2006">
               <mc:Choice xmlns:v="urn:schemas-microsoft-com:vml" Requires="v">
-                <p:oleObj spid="_x0000_s3225" name="Vergelijking" r:id="rId3" imgW="1091880" imgH="279360" progId="Equation.3">
+                <p:oleObj spid="_x0000_s3245" name="Vergelijking" r:id="rId3" imgW="1091880" imgH="279360" progId="Equation.3">
                   <p:embed/>
                 </p:oleObj>
               </mc:Choice>
@@ -19923,7 +20118,7 @@
           <a:graphicData uri="http://schemas.openxmlformats.org/presentationml/2006/ole">
             <mc:AlternateContent xmlns:mc="http://schemas.openxmlformats.org/markup-compatibility/2006">
               <mc:Choice xmlns:v="urn:schemas-microsoft-com:vml" Requires="v">
-                <p:oleObj spid="_x0000_s3226" name="Vergelijking" r:id="rId5" imgW="1231560" imgH="431640" progId="Equation.3">
+                <p:oleObj spid="_x0000_s3246" name="Vergelijking" r:id="rId5" imgW="1231560" imgH="431640" progId="Equation.3">
                   <p:embed/>
                 </p:oleObj>
               </mc:Choice>
@@ -19993,7 +20188,7 @@
           <a:graphicData uri="http://schemas.openxmlformats.org/presentationml/2006/ole">
             <mc:AlternateContent xmlns:mc="http://schemas.openxmlformats.org/markup-compatibility/2006">
               <mc:Choice xmlns:v="urn:schemas-microsoft-com:vml" Requires="v">
-                <p:oleObj spid="_x0000_s3227" name="Vergelijking" r:id="rId7" imgW="1231560" imgH="431640" progId="Equation.3">
+                <p:oleObj spid="_x0000_s3247" name="Vergelijking" r:id="rId7" imgW="1231560" imgH="431640" progId="Equation.3">
                   <p:embed/>
                 </p:oleObj>
               </mc:Choice>
@@ -20063,7 +20258,7 @@
           <a:graphicData uri="http://schemas.openxmlformats.org/presentationml/2006/ole">
             <mc:AlternateContent xmlns:mc="http://schemas.openxmlformats.org/markup-compatibility/2006">
               <mc:Choice xmlns:v="urn:schemas-microsoft-com:vml" Requires="v">
-                <p:oleObj spid="_x0000_s3228" name="Vergelijking" r:id="rId9" imgW="939600" imgH="368280" progId="Equation.3">
+                <p:oleObj spid="_x0000_s3248" name="Vergelijking" r:id="rId9" imgW="939600" imgH="368280" progId="Equation.3">
                   <p:embed/>
                 </p:oleObj>
               </mc:Choice>
@@ -20133,7 +20328,7 @@
           <a:graphicData uri="http://schemas.openxmlformats.org/presentationml/2006/ole">
             <mc:AlternateContent xmlns:mc="http://schemas.openxmlformats.org/markup-compatibility/2006">
               <mc:Choice xmlns:v="urn:schemas-microsoft-com:vml" Requires="v">
-                <p:oleObj spid="_x0000_s3229" name="Vergelijking" r:id="rId11" imgW="876240" imgH="368280" progId="Equation.3">
+                <p:oleObj spid="_x0000_s3249" name="Vergelijking" r:id="rId11" imgW="876240" imgH="368280" progId="Equation.3">
                   <p:embed/>
                 </p:oleObj>
               </mc:Choice>
@@ -20232,35 +20427,23 @@
             </a:r>
             <a:r>
               <a:rPr lang="nl-NL" dirty="0" smtClean="0"/>
+              <a:t> error </a:t>
+            </a:r>
+            <a:r>
+              <a:rPr lang="nl-NL" dirty="0" err="1" smtClean="0"/>
+              <a:t>loss</a:t>
+            </a:r>
+            <a:r>
+              <a:rPr lang="nl-NL" dirty="0" smtClean="0"/>
               <a:t> </a:t>
             </a:r>
             <a:r>
-              <a:rPr lang="nl-NL" dirty="0" smtClean="0"/>
-              <a:t>error </a:t>
-            </a:r>
-            <a:r>
-              <a:rPr lang="nl-NL" dirty="0" err="1" smtClean="0"/>
-              <a:t>loss</a:t>
-            </a:r>
-            <a:r>
-              <a:rPr lang="nl-NL" dirty="0" smtClean="0"/>
-              <a:t> </a:t>
-            </a:r>
-            <a:r>
               <a:rPr lang="nl-NL" dirty="0" err="1" smtClean="0"/>
               <a:t>and</a:t>
             </a:r>
             <a:r>
               <a:rPr lang="nl-NL" dirty="0" smtClean="0"/>
-              <a:t> </a:t>
-            </a:r>
-            <a:r>
-              <a:rPr lang="nl-NL" dirty="0" smtClean="0"/>
-              <a:t>Gini </a:t>
-            </a:r>
-            <a:r>
-              <a:rPr lang="nl-NL" dirty="0" smtClean="0"/>
-              <a:t>index are most </a:t>
+              <a:t> Gini index are most </a:t>
             </a:r>
             <a:r>
               <a:rPr lang="nl-NL" dirty="0" err="1" smtClean="0"/>
@@ -20318,7 +20501,6 @@
               <a:rPr lang="nl-NL" dirty="0" smtClean="0"/>
               <a:t> terminal node</a:t>
             </a:r>
-            <a:endParaRPr lang="nl-NL" dirty="0" smtClean="0"/>
           </a:p>
         </p:txBody>
       </p:sp>
@@ -20572,11 +20754,7 @@
             </a:pPr>
             <a:r>
               <a:rPr lang="nl-NL" dirty="0" smtClean="0"/>
-              <a:t>Small </a:t>
-            </a:r>
-            <a:r>
-              <a:rPr lang="nl-NL" dirty="0" smtClean="0"/>
-              <a:t>trees have low </a:t>
+              <a:t>Small trees have low </a:t>
             </a:r>
             <a:r>
               <a:rPr lang="nl-NL" dirty="0" err="1" smtClean="0"/>
@@ -20592,11 +20770,7 @@
             </a:r>
             <a:r>
               <a:rPr lang="nl-NL" dirty="0" smtClean="0"/>
-              <a:t>) high </a:t>
-            </a:r>
-            <a:r>
-              <a:rPr lang="nl-NL" dirty="0" smtClean="0"/>
-              <a:t>bias</a:t>
+              <a:t>) high bias</a:t>
             </a:r>
           </a:p>
           <a:p>
@@ -20606,11 +20780,7 @@
             </a:pPr>
             <a:r>
               <a:rPr lang="nl-NL" dirty="0" smtClean="0"/>
-              <a:t>Large </a:t>
-            </a:r>
-            <a:r>
-              <a:rPr lang="nl-NL" dirty="0" smtClean="0"/>
-              <a:t>trees have low bias, but high </a:t>
+              <a:t>Large trees have low bias, but high </a:t>
             </a:r>
             <a:r>
               <a:rPr lang="nl-NL" dirty="0" err="1" smtClean="0"/>
